--- a/문서/NoWayOutofHell 게임 기획서.pptx
+++ b/문서/NoWayOutofHell 게임 기획서.pptx
@@ -2,7 +2,7 @@
 <file path=ppt/presentation.xml><?xml version="1.0" encoding="utf-8"?>
 <p:presentation xmlns:r="http://schemas.openxmlformats.org/officeDocument/2006/relationships" xmlns:c="http://schemas.openxmlformats.org/drawingml/2006/chart" xmlns:a="http://schemas.openxmlformats.org/drawingml/2006/main" xmlns:dgm="http://schemas.openxmlformats.org/drawingml/2006/diagram" xmlns:dsp="http://schemas.microsoft.com/office/drawing/2008/diagram" xmlns:p="http://schemas.openxmlformats.org/presentationml/2006/main" saveSubsetFonts="1">
   <p:sldMasterIdLst>
-    <p:sldMasterId id="2147483718" r:id="rId1"/>
+    <p:sldMasterId id="2147483721" r:id="rId1"/>
   </p:sldMasterIdLst>
   <p:sldIdLst>
     <p:sldId id="256" r:id="rId2"/>
@@ -17,6 +17,8 @@
     <p:sldId id="265" r:id="rId11"/>
     <p:sldId id="266" r:id="rId12"/>
     <p:sldId id="267" r:id="rId13"/>
+    <p:sldId id="268" r:id="rId14"/>
+    <p:sldId id="269" r:id="rId15"/>
   </p:sldIdLst>
   <p:sldSz cx="12192000" cy="6858000"/>
   <p:notesSz cx="6858000" cy="9144000"/>
@@ -3322,154 +3324,297 @@
             </a:pPr>
             <a:r>
               <a:rPr lang="ko-KR" altLang="en-US"/>
-              <a:t>게임 시스템 </a:t>
-            </a:r>
-            <a:r>
-              <a:rPr lang="en-US" altLang="ko-KR"/>
-              <a:t>-</a:t>
-            </a:r>
-            <a:r>
-              <a:rPr lang="ko-KR" altLang="en-US"/>
-              <a:t> 무기</a:t>
-            </a:r>
-            <a:endParaRPr lang="ko-KR" altLang="en-US"/>
-          </a:p>
-        </p:txBody>
-      </p:sp>
-      <p:sp>
-        <p:nvSpPr>
-          <p:cNvPr id="3" name="내용 개체 틀 2"/>
-          <p:cNvSpPr>
-            <a:spLocks noGrp="1"/>
-          </p:cNvSpPr>
-          <p:nvPr>
-            <p:ph idx="1"/>
-          </p:nvPr>
+              <a:t>게임 특징</a:t>
+            </a:r>
+            <a:endParaRPr lang="ko-KR" altLang="en-US"/>
+          </a:p>
+        </p:txBody>
+      </p:sp>
+      <p:sp>
+        <p:nvSpPr>
+          <p:cNvPr id="4" name="내용 개체 틀 2"/>
+          <p:cNvSpPr/>
+          <p:nvPr/>
         </p:nvSpPr>
         <p:spPr>
           <a:xfrm>
-            <a:off x="623316" y="1600200"/>
+            <a:off x="551307" y="1567370"/>
             <a:ext cx="10972798" cy="4525963"/>
           </a:xfrm>
+          <a:prstGeom prst="rect">
+            <a:avLst/>
+          </a:prstGeom>
         </p:spPr>
         <p:txBody>
-          <a:bodyPr/>
-          <a:lstStyle/>
-          <a:p>
-            <a:pPr>
-              <a:defRPr/>
-            </a:pPr>
-            <a:r>
-              <a:rPr lang="ko-KR" altLang="en-US" sz="2500"/>
-              <a:t>주무기는 라이플</a:t>
-            </a:r>
-            <a:r>
-              <a:rPr lang="en-US" altLang="ko-KR" sz="2500"/>
+          <a:bodyPr vert="horz" lIns="91440" tIns="45720" rIns="91440" bIns="45720">
+            <a:normAutofit lnSpcReduction="10000"/>
+          </a:bodyPr>
+          <a:p>
+            <a:pPr marL="342900" indent="-342900" algn="l" defTabSz="914400" rtl="0" eaLnBrk="1" latinLnBrk="1" hangingPunct="1">
+              <a:lnSpc>
+                <a:spcPct val="100000"/>
+              </a:lnSpc>
+              <a:spcBef>
+                <a:spcPct val="20000"/>
+              </a:spcBef>
+              <a:spcAft>
+                <a:spcPts val="0"/>
+              </a:spcAft>
+              <a:buFont typeface="Arial"/>
+              <a:buChar char="•"/>
+              <a:defRPr/>
+            </a:pPr>
+            <a:r>
+              <a:rPr xmlns:mc="http://schemas.openxmlformats.org/markup-compatibility/2006" xmlns:hp="http://schemas.haansoft.com/office/presentation/8.0" kumimoji="0" lang="ko-KR" altLang="en-US" sz="2500" b="0" i="0" u="none" strike="noStrike" kern="1200" cap="none" spc="0" normalizeH="0" baseline="0" mc:Ignorable="hp" hp:hslEmbossed="0">
+                <a:solidFill>
+                  <a:schemeClr val="tx1"/>
+                </a:solidFill>
+                <a:latin typeface="+mn-lt"/>
+                <a:ea typeface="+mn-ea"/>
+                <a:cs typeface="+mn-cs"/>
+              </a:rPr>
+              <a:t>다양한 주무기</a:t>
+            </a:r>
+            <a:r>
+              <a:rPr xmlns:mc="http://schemas.openxmlformats.org/markup-compatibility/2006" xmlns:hp="http://schemas.haansoft.com/office/presentation/8.0" kumimoji="0" lang="en-US" altLang="ko-KR" sz="2500" b="0" i="0" u="none" strike="noStrike" kern="1200" cap="none" spc="0" normalizeH="0" baseline="0" mc:Ignorable="hp" hp:hslEmbossed="0">
+                <a:solidFill>
+                  <a:schemeClr val="tx1"/>
+                </a:solidFill>
+                <a:latin typeface="+mn-lt"/>
+                <a:ea typeface="+mn-ea"/>
+                <a:cs typeface="+mn-cs"/>
+              </a:rPr>
               <a:t>,</a:t>
             </a:r>
             <a:r>
-              <a:rPr lang="ko-KR" altLang="en-US" sz="2500"/>
-              <a:t> 샷건</a:t>
-            </a:r>
-            <a:r>
-              <a:rPr lang="en-US" altLang="ko-KR" sz="2500"/>
+              <a:rPr xmlns:mc="http://schemas.openxmlformats.org/markup-compatibility/2006" xmlns:hp="http://schemas.haansoft.com/office/presentation/8.0" kumimoji="0" lang="ko-KR" altLang="en-US" sz="2500" b="0" i="0" u="none" strike="noStrike" kern="1200" cap="none" spc="0" normalizeH="0" baseline="0" mc:Ignorable="hp" hp:hslEmbossed="0">
+                <a:solidFill>
+                  <a:schemeClr val="tx1"/>
+                </a:solidFill>
+                <a:latin typeface="+mn-lt"/>
+                <a:ea typeface="+mn-ea"/>
+                <a:cs typeface="+mn-cs"/>
+              </a:rPr>
+              <a:t> 보조무기</a:t>
+            </a:r>
+            <a:r>
+              <a:rPr xmlns:mc="http://schemas.openxmlformats.org/markup-compatibility/2006" xmlns:hp="http://schemas.haansoft.com/office/presentation/8.0" kumimoji="0" lang="en-US" altLang="ko-KR" sz="2500" b="0" i="0" u="none" strike="noStrike" kern="1200" cap="none" spc="0" normalizeH="0" baseline="0" mc:Ignorable="hp" hp:hslEmbossed="0">
+                <a:solidFill>
+                  <a:schemeClr val="tx1"/>
+                </a:solidFill>
+                <a:latin typeface="+mn-lt"/>
+                <a:ea typeface="+mn-ea"/>
+                <a:cs typeface="+mn-cs"/>
+              </a:rPr>
               <a:t>,</a:t>
             </a:r>
             <a:r>
-              <a:rPr lang="ko-KR" altLang="en-US" sz="2500"/>
-              <a:t> 스나이퍼 </a:t>
-            </a:r>
-            <a:r>
-              <a:rPr lang="en-US" altLang="ko-KR" sz="2500"/>
-              <a:t>3</a:t>
-            </a:r>
-            <a:r>
-              <a:rPr lang="ko-KR" altLang="en-US" sz="2500"/>
-              <a:t>가지로 구현</a:t>
-            </a:r>
-            <a:endParaRPr lang="ko-KR" altLang="en-US" sz="2500"/>
-          </a:p>
-          <a:p>
-            <a:pPr>
-              <a:defRPr/>
-            </a:pPr>
-            <a:r>
-              <a:rPr lang="ko-KR" altLang="en-US" sz="2500"/>
-              <a:t>보조무기는 권총</a:t>
-            </a:r>
-            <a:r>
-              <a:rPr lang="en-US" altLang="ko-KR" sz="2500"/>
-              <a:t>,</a:t>
-            </a:r>
-            <a:r>
-              <a:rPr lang="ko-KR" altLang="en-US" sz="2500"/>
-              <a:t> 근접무기 </a:t>
-            </a:r>
-            <a:r>
-              <a:rPr lang="en-US" altLang="ko-KR" sz="2500"/>
-              <a:t>2</a:t>
-            </a:r>
-            <a:r>
-              <a:rPr lang="ko-KR" altLang="en-US" sz="2500"/>
-              <a:t>가지로 구현</a:t>
-            </a:r>
-            <a:endParaRPr lang="ko-KR" altLang="en-US" sz="2500"/>
-          </a:p>
-          <a:p>
-            <a:pPr>
-              <a:defRPr/>
-            </a:pPr>
-            <a:r>
-              <a:rPr lang="ko-KR" altLang="en-US" sz="2500"/>
-              <a:t>투척무기는 화염탄</a:t>
-            </a:r>
-            <a:r>
-              <a:rPr lang="en-US" altLang="ko-KR" sz="2500"/>
-              <a:t>,</a:t>
-            </a:r>
-            <a:r>
-              <a:rPr lang="ko-KR" altLang="en-US" sz="2500"/>
-              <a:t> 파이프폭탄 </a:t>
-            </a:r>
-            <a:r>
-              <a:rPr lang="en-US" altLang="ko-KR" sz="2500"/>
-              <a:t>2</a:t>
-            </a:r>
-            <a:r>
-              <a:rPr lang="ko-KR" altLang="en-US" sz="2500"/>
-              <a:t>가지로 구현</a:t>
-            </a:r>
-            <a:endParaRPr lang="ko-KR" altLang="en-US" sz="2500"/>
-          </a:p>
-          <a:p>
-            <a:pPr>
-              <a:defRPr/>
-            </a:pPr>
-            <a:r>
-              <a:rPr lang="ko-KR" altLang="en-US" sz="2500"/>
-              <a:t>회복아이템은 자기자신 체력 회복시켜주는 메디킷만 구현</a:t>
-            </a:r>
-            <a:endParaRPr lang="ko-KR" altLang="en-US" sz="2500"/>
-          </a:p>
-          <a:p>
-            <a:pPr>
-              <a:defRPr/>
-            </a:pPr>
-            <a:r>
-              <a:rPr lang="en-US" altLang="ko-KR" sz="2500"/>
-              <a:t>f</a:t>
-            </a:r>
-            <a:r>
-              <a:rPr lang="ko-KR" altLang="en-US" sz="2500"/>
-              <a:t>를 누르면 밀치기로 앞에있는 좀비를 떨어뜨릴수있음</a:t>
-            </a:r>
-            <a:endParaRPr lang="ko-KR" altLang="en-US" sz="2500"/>
-          </a:p>
-          <a:p>
-            <a:pPr>
-              <a:defRPr/>
-            </a:pPr>
-            <a:endParaRPr lang="ko-KR" altLang="en-US" sz="2500"/>
+              <a:rPr xmlns:mc="http://schemas.openxmlformats.org/markup-compatibility/2006" xmlns:hp="http://schemas.haansoft.com/office/presentation/8.0" kumimoji="0" lang="ko-KR" altLang="en-US" sz="2500" b="0" i="0" u="none" strike="noStrike" kern="1200" cap="none" spc="0" normalizeH="0" baseline="0" mc:Ignorable="hp" hp:hslEmbossed="0">
+                <a:solidFill>
+                  <a:schemeClr val="tx1"/>
+                </a:solidFill>
+                <a:latin typeface="+mn-lt"/>
+                <a:ea typeface="+mn-ea"/>
+                <a:cs typeface="+mn-cs"/>
+              </a:rPr>
+              <a:t> 투척무기 구현하여 플레이어 취향에 맞는 무기 선택 가능</a:t>
+            </a:r>
+            <a:endParaRPr xmlns:mc="http://schemas.openxmlformats.org/markup-compatibility/2006" xmlns:hp="http://schemas.haansoft.com/office/presentation/8.0" kumimoji="0" lang="ko-KR" altLang="en-US" sz="2500" b="0" i="0" u="none" strike="noStrike" kern="1200" cap="none" spc="0" normalizeH="0" baseline="0" mc:Ignorable="hp" hp:hslEmbossed="0">
+              <a:solidFill>
+                <a:schemeClr val="tx1"/>
+              </a:solidFill>
+              <a:latin typeface="+mn-lt"/>
+              <a:ea typeface="+mn-ea"/>
+              <a:cs typeface="+mn-cs"/>
+            </a:endParaRPr>
+          </a:p>
+          <a:p>
+            <a:pPr marL="342900" indent="-342900" algn="l" defTabSz="914400" rtl="0" eaLnBrk="1" latinLnBrk="1" hangingPunct="1">
+              <a:lnSpc>
+                <a:spcPct val="100000"/>
+              </a:lnSpc>
+              <a:spcBef>
+                <a:spcPct val="20000"/>
+              </a:spcBef>
+              <a:spcAft>
+                <a:spcPts val="0"/>
+              </a:spcAft>
+              <a:buFont typeface="Arial"/>
+              <a:buChar char="•"/>
+              <a:defRPr/>
+            </a:pPr>
+            <a:r>
+              <a:rPr xmlns:mc="http://schemas.openxmlformats.org/markup-compatibility/2006" xmlns:hp="http://schemas.haansoft.com/office/presentation/8.0" kumimoji="0" lang="ko-KR" altLang="en-US" sz="2500" b="0" i="0" u="none" strike="noStrike" kern="1200" cap="none" spc="0" normalizeH="0" baseline="0" mc:Ignorable="hp" hp:hslEmbossed="0">
+                <a:solidFill>
+                  <a:schemeClr val="tx1"/>
+                </a:solidFill>
+                <a:latin typeface="+mn-lt"/>
+                <a:ea typeface="+mn-ea"/>
+                <a:cs typeface="+mn-cs"/>
+              </a:rPr>
+              <a:t>특수한 능력을 가진 좀비 구현</a:t>
+            </a:r>
+            <a:r>
+              <a:rPr xmlns:mc="http://schemas.openxmlformats.org/markup-compatibility/2006" xmlns:hp="http://schemas.haansoft.com/office/presentation/8.0" kumimoji="0" lang="en-US" altLang="ko-KR" sz="2500" b="0" i="0" u="none" strike="noStrike" kern="1200" cap="none" spc="0" normalizeH="0" baseline="0" mc:Ignorable="hp" hp:hslEmbossed="0">
+                <a:solidFill>
+                  <a:schemeClr val="tx1"/>
+                </a:solidFill>
+                <a:latin typeface="+mn-lt"/>
+                <a:ea typeface="+mn-ea"/>
+                <a:cs typeface="+mn-cs"/>
+              </a:rPr>
+              <a:t>(</a:t>
+            </a:r>
+            <a:r>
+              <a:rPr xmlns:mc="http://schemas.openxmlformats.org/markup-compatibility/2006" xmlns:hp="http://schemas.haansoft.com/office/presentation/8.0" kumimoji="0" lang="ko-KR" altLang="en-US" sz="2500" b="0" i="0" u="none" strike="noStrike" kern="1200" cap="none" spc="0" normalizeH="0" baseline="0" mc:Ignorable="hp" hp:hslEmbossed="0">
+                <a:solidFill>
+                  <a:schemeClr val="tx1"/>
+                </a:solidFill>
+                <a:latin typeface="+mn-lt"/>
+                <a:ea typeface="+mn-ea"/>
+                <a:cs typeface="+mn-cs"/>
+              </a:rPr>
+              <a:t>난이도 상향</a:t>
+            </a:r>
+            <a:r>
+              <a:rPr xmlns:mc="http://schemas.openxmlformats.org/markup-compatibility/2006" xmlns:hp="http://schemas.haansoft.com/office/presentation/8.0" kumimoji="0" lang="en-US" altLang="ko-KR" sz="2500" b="0" i="0" u="none" strike="noStrike" kern="1200" cap="none" spc="0" normalizeH="0" baseline="0" mc:Ignorable="hp" hp:hslEmbossed="0">
+                <a:solidFill>
+                  <a:schemeClr val="tx1"/>
+                </a:solidFill>
+                <a:latin typeface="+mn-lt"/>
+                <a:ea typeface="+mn-ea"/>
+                <a:cs typeface="+mn-cs"/>
+              </a:rPr>
+              <a:t>)</a:t>
+            </a:r>
+            <a:endParaRPr xmlns:mc="http://schemas.openxmlformats.org/markup-compatibility/2006" xmlns:hp="http://schemas.haansoft.com/office/presentation/8.0" kumimoji="0" lang="en-US" altLang="ko-KR" sz="2500" b="0" i="0" u="none" strike="noStrike" kern="1200" cap="none" spc="0" normalizeH="0" baseline="0" mc:Ignorable="hp" hp:hslEmbossed="0">
+              <a:solidFill>
+                <a:schemeClr val="tx1"/>
+              </a:solidFill>
+              <a:latin typeface="+mn-lt"/>
+              <a:ea typeface="+mn-ea"/>
+              <a:cs typeface="+mn-cs"/>
+            </a:endParaRPr>
+          </a:p>
+          <a:p>
+            <a:pPr marL="342900" indent="-342900" algn="l" defTabSz="914400" rtl="0" eaLnBrk="1" latinLnBrk="1" hangingPunct="1">
+              <a:lnSpc>
+                <a:spcPct val="100000"/>
+              </a:lnSpc>
+              <a:spcBef>
+                <a:spcPct val="20000"/>
+              </a:spcBef>
+              <a:spcAft>
+                <a:spcPts val="0"/>
+              </a:spcAft>
+              <a:buFont typeface="Arial"/>
+              <a:buChar char="•"/>
+              <a:defRPr/>
+            </a:pPr>
+            <a:endParaRPr xmlns:mc="http://schemas.openxmlformats.org/markup-compatibility/2006" xmlns:hp="http://schemas.haansoft.com/office/presentation/8.0" kumimoji="0" lang="en-US" altLang="ko-KR" sz="2500" b="0" i="0" u="none" strike="noStrike" kern="1200" cap="none" spc="0" normalizeH="0" baseline="0" mc:Ignorable="hp" hp:hslEmbossed="0">
+              <a:solidFill>
+                <a:schemeClr val="tx1"/>
+              </a:solidFill>
+              <a:latin typeface="+mn-lt"/>
+              <a:ea typeface="+mn-ea"/>
+              <a:cs typeface="+mn-cs"/>
+            </a:endParaRPr>
+          </a:p>
+          <a:p>
+            <a:pPr marL="342900" indent="-342900" algn="l" defTabSz="914400" rtl="0" eaLnBrk="1" latinLnBrk="1" hangingPunct="1">
+              <a:lnSpc>
+                <a:spcPct val="100000"/>
+              </a:lnSpc>
+              <a:spcBef>
+                <a:spcPct val="20000"/>
+              </a:spcBef>
+              <a:spcAft>
+                <a:spcPts val="0"/>
+              </a:spcAft>
+              <a:buFont typeface="Arial"/>
+              <a:buChar char="•"/>
+              <a:defRPr/>
+            </a:pPr>
+            <a:endParaRPr xmlns:mc="http://schemas.openxmlformats.org/markup-compatibility/2006" xmlns:hp="http://schemas.haansoft.com/office/presentation/8.0" kumimoji="0" lang="en-US" altLang="ko-KR" sz="2500" b="0" i="0" u="none" strike="noStrike" kern="1200" cap="none" spc="0" normalizeH="0" baseline="0" mc:Ignorable="hp" hp:hslEmbossed="0">
+              <a:solidFill>
+                <a:schemeClr val="tx1"/>
+              </a:solidFill>
+              <a:latin typeface="+mn-lt"/>
+              <a:ea typeface="+mn-ea"/>
+              <a:cs typeface="+mn-cs"/>
+            </a:endParaRPr>
+          </a:p>
+          <a:p>
+            <a:pPr marL="342900" indent="-342900" algn="l" defTabSz="914400" rtl="0" eaLnBrk="1" latinLnBrk="1" hangingPunct="1">
+              <a:lnSpc>
+                <a:spcPct val="100000"/>
+              </a:lnSpc>
+              <a:spcBef>
+                <a:spcPct val="20000"/>
+              </a:spcBef>
+              <a:spcAft>
+                <a:spcPts val="0"/>
+              </a:spcAft>
+              <a:buFont typeface="Arial"/>
+              <a:buChar char="•"/>
+              <a:defRPr/>
+            </a:pPr>
+            <a:endParaRPr xmlns:mc="http://schemas.openxmlformats.org/markup-compatibility/2006" xmlns:hp="http://schemas.haansoft.com/office/presentation/8.0" kumimoji="0" lang="en-US" altLang="ko-KR" sz="2500" b="0" i="0" u="none" strike="noStrike" kern="1200" cap="none" spc="0" normalizeH="0" baseline="0" mc:Ignorable="hp" hp:hslEmbossed="0">
+              <a:solidFill>
+                <a:schemeClr val="tx1"/>
+              </a:solidFill>
+              <a:latin typeface="+mn-lt"/>
+              <a:ea typeface="+mn-ea"/>
+              <a:cs typeface="+mn-cs"/>
+            </a:endParaRPr>
+          </a:p>
+          <a:p>
+            <a:pPr marL="342900" indent="-342900" algn="l" defTabSz="914400" rtl="0" eaLnBrk="1" latinLnBrk="1" hangingPunct="1">
+              <a:lnSpc>
+                <a:spcPct val="100000"/>
+              </a:lnSpc>
+              <a:spcBef>
+                <a:spcPct val="20000"/>
+              </a:spcBef>
+              <a:spcAft>
+                <a:spcPts val="0"/>
+              </a:spcAft>
+              <a:buFont typeface="Arial"/>
+              <a:buChar char="•"/>
+              <a:defRPr/>
+            </a:pPr>
+            <a:endParaRPr xmlns:mc="http://schemas.openxmlformats.org/markup-compatibility/2006" xmlns:hp="http://schemas.haansoft.com/office/presentation/8.0" kumimoji="0" lang="ko-KR" altLang="en-US" sz="2500" b="0" i="0" u="none" strike="noStrike" kern="1200" cap="none" spc="0" normalizeH="0" baseline="0" mc:Ignorable="hp" hp:hslEmbossed="0">
+              <a:solidFill>
+                <a:schemeClr val="tx1"/>
+              </a:solidFill>
+              <a:latin typeface="+mn-lt"/>
+              <a:ea typeface="+mn-ea"/>
+              <a:cs typeface="+mn-cs"/>
+            </a:endParaRPr>
+          </a:p>
+          <a:p>
+            <a:pPr marL="0" indent="0" algn="l" defTabSz="914400" rtl="0" eaLnBrk="1" latinLnBrk="1" hangingPunct="1">
+              <a:lnSpc>
+                <a:spcPct val="100000"/>
+              </a:lnSpc>
+              <a:spcBef>
+                <a:spcPct val="20000"/>
+              </a:spcBef>
+              <a:spcAft>
+                <a:spcPts val="0"/>
+              </a:spcAft>
+              <a:buFont typeface="Arial"/>
+              <a:buNone/>
+              <a:defRPr/>
+            </a:pPr>
+            <a:endParaRPr xmlns:mc="http://schemas.openxmlformats.org/markup-compatibility/2006" xmlns:hp="http://schemas.haansoft.com/office/presentation/8.0" kumimoji="0" lang="ko-KR" altLang="en-US" sz="2500" b="0" i="0" u="none" strike="noStrike" kern="1200" cap="none" spc="0" normalizeH="0" baseline="0" mc:Ignorable="hp" hp:hslEmbossed="0">
+              <a:solidFill>
+                <a:schemeClr val="tx1"/>
+              </a:solidFill>
+              <a:latin typeface="+mn-lt"/>
+              <a:ea typeface="+mn-ea"/>
+              <a:cs typeface="+mn-cs"/>
+            </a:endParaRPr>
           </a:p>
         </p:txBody>
       </p:sp>
@@ -3526,7 +3671,15 @@
             </a:pPr>
             <a:r>
               <a:rPr lang="ko-KR" altLang="en-US"/>
-              <a:t>추가 개발 요소</a:t>
+              <a:t>콘텐츠 구성 </a:t>
+            </a:r>
+            <a:r>
+              <a:rPr lang="en-US" altLang="ko-KR"/>
+              <a:t>1.</a:t>
+            </a:r>
+            <a:r>
+              <a:rPr lang="ko-KR" altLang="en-US"/>
+              <a:t>스토리 모드</a:t>
             </a:r>
             <a:endParaRPr lang="ko-KR" altLang="en-US"/>
           </a:p>
@@ -3557,16 +3710,32 @@
             </a:pPr>
             <a:r>
               <a:rPr lang="ko-KR" altLang="en-US" sz="2500"/>
-              <a:t>시간이 있다면 날 도와주는</a:t>
+              <a:t>정해진 맵에서 목표를 완수하여 탈출해야함</a:t>
+            </a:r>
+            <a:endParaRPr lang="ko-KR" altLang="en-US" sz="2500"/>
+          </a:p>
+          <a:p>
+            <a:pPr>
+              <a:defRPr/>
+            </a:pPr>
+            <a:r>
+              <a:rPr lang="ko-KR" altLang="en-US" sz="2500"/>
+              <a:t>헬리포트까지 이동하여 무전기로 헬기를 부르고 탈출 </a:t>
             </a:r>
             <a:r>
               <a:rPr lang="en-US" altLang="ko-KR" sz="2500"/>
-              <a:t> AI</a:t>
+              <a:t>or </a:t>
             </a:r>
             <a:r>
               <a:rPr lang="ko-KR" altLang="en-US" sz="2500"/>
-              <a:t>까지 개발해보기</a:t>
-            </a:r>
+              <a:t>연료를 모아 발전기를 가동하여 헬기를 부르고 탈출 등 맵마다 목표 부여</a:t>
+            </a:r>
+            <a:endParaRPr lang="ko-KR" altLang="en-US" sz="2500"/>
+          </a:p>
+          <a:p>
+            <a:pPr>
+              <a:defRPr/>
+            </a:pPr>
             <a:endParaRPr lang="ko-KR" altLang="en-US" sz="2500"/>
           </a:p>
         </p:txBody>
@@ -3588,6 +3757,308 @@
 </file>
 
 <file path=ppt/slides/slide12.xml><?xml version="1.0" encoding="utf-8"?>
+<p:sld xmlns:r="http://schemas.openxmlformats.org/officeDocument/2006/relationships" xmlns:c="http://schemas.openxmlformats.org/drawingml/2006/chart" xmlns:a="http://schemas.openxmlformats.org/drawingml/2006/main" xmlns:dgm="http://schemas.openxmlformats.org/drawingml/2006/diagram" xmlns:dsp="http://schemas.microsoft.com/office/drawing/2008/diagram" xmlns:p="http://schemas.openxmlformats.org/presentationml/2006/main">
+  <p:cSld>
+    <p:spTree>
+      <p:nvGrpSpPr>
+        <p:cNvPr id="1" name=""/>
+        <p:cNvGrpSpPr/>
+        <p:nvPr/>
+      </p:nvGrpSpPr>
+      <p:grpSpPr>
+        <a:xfrm>
+          <a:off x="0" y="0"/>
+          <a:ext cx="0" cy="0"/>
+          <a:chOff x="0" y="0"/>
+          <a:chExt cx="0" cy="0"/>
+        </a:xfrm>
+      </p:grpSpPr>
+      <p:sp>
+        <p:nvSpPr>
+          <p:cNvPr id="2" name="제목 1"/>
+          <p:cNvSpPr>
+            <a:spLocks noGrp="1"/>
+          </p:cNvSpPr>
+          <p:nvPr>
+            <p:ph type="title" idx="0"/>
+          </p:nvPr>
+        </p:nvSpPr>
+        <p:spPr/>
+        <p:txBody>
+          <a:bodyPr/>
+          <a:lstStyle/>
+          <a:p>
+            <a:pPr>
+              <a:defRPr/>
+            </a:pPr>
+            <a:r>
+              <a:rPr lang="ko-KR" altLang="en-US"/>
+              <a:t>게임 시스템 </a:t>
+            </a:r>
+            <a:r>
+              <a:rPr lang="en-US" altLang="ko-KR"/>
+              <a:t>-</a:t>
+            </a:r>
+            <a:r>
+              <a:rPr lang="ko-KR" altLang="en-US"/>
+              <a:t> 무기</a:t>
+            </a:r>
+            <a:endParaRPr lang="ko-KR" altLang="en-US"/>
+          </a:p>
+        </p:txBody>
+      </p:sp>
+      <p:sp>
+        <p:nvSpPr>
+          <p:cNvPr id="3" name="내용 개체 틀 2"/>
+          <p:cNvSpPr>
+            <a:spLocks noGrp="1"/>
+          </p:cNvSpPr>
+          <p:nvPr>
+            <p:ph idx="1"/>
+          </p:nvPr>
+        </p:nvSpPr>
+        <p:spPr>
+          <a:xfrm>
+            <a:off x="623316" y="1600200"/>
+            <a:ext cx="10972798" cy="4525963"/>
+          </a:xfrm>
+        </p:spPr>
+        <p:txBody>
+          <a:bodyPr/>
+          <a:lstStyle/>
+          <a:p>
+            <a:pPr>
+              <a:defRPr/>
+            </a:pPr>
+            <a:r>
+              <a:rPr lang="ko-KR" altLang="en-US" sz="2500"/>
+              <a:t>주무기는 라이플</a:t>
+            </a:r>
+            <a:r>
+              <a:rPr lang="en-US" altLang="ko-KR" sz="2500"/>
+              <a:t>,</a:t>
+            </a:r>
+            <a:r>
+              <a:rPr lang="ko-KR" altLang="en-US" sz="2500"/>
+              <a:t> 샷건</a:t>
+            </a:r>
+            <a:r>
+              <a:rPr lang="en-US" altLang="ko-KR" sz="2500"/>
+              <a:t>,</a:t>
+            </a:r>
+            <a:r>
+              <a:rPr lang="ko-KR" altLang="en-US" sz="2500"/>
+              <a:t> 스나이퍼 </a:t>
+            </a:r>
+            <a:r>
+              <a:rPr lang="en-US" altLang="ko-KR" sz="2500"/>
+              <a:t>3</a:t>
+            </a:r>
+            <a:r>
+              <a:rPr lang="ko-KR" altLang="en-US" sz="2500"/>
+              <a:t>가지로 구현</a:t>
+            </a:r>
+            <a:endParaRPr lang="ko-KR" altLang="en-US" sz="2500"/>
+          </a:p>
+          <a:p>
+            <a:pPr>
+              <a:defRPr/>
+            </a:pPr>
+            <a:r>
+              <a:rPr lang="ko-KR" altLang="en-US" sz="2500"/>
+              <a:t>보조무기는 권총</a:t>
+            </a:r>
+            <a:r>
+              <a:rPr lang="en-US" altLang="ko-KR" sz="2500"/>
+              <a:t>,</a:t>
+            </a:r>
+            <a:r>
+              <a:rPr lang="ko-KR" altLang="en-US" sz="2500"/>
+              <a:t> 근접무기 </a:t>
+            </a:r>
+            <a:r>
+              <a:rPr lang="en-US" altLang="ko-KR" sz="2500"/>
+              <a:t>2</a:t>
+            </a:r>
+            <a:r>
+              <a:rPr lang="ko-KR" altLang="en-US" sz="2500"/>
+              <a:t>가지로 구현</a:t>
+            </a:r>
+            <a:endParaRPr lang="ko-KR" altLang="en-US" sz="2500"/>
+          </a:p>
+          <a:p>
+            <a:pPr>
+              <a:defRPr/>
+            </a:pPr>
+            <a:r>
+              <a:rPr lang="ko-KR" altLang="en-US" sz="2500"/>
+              <a:t>투척무기는 화염탄</a:t>
+            </a:r>
+            <a:r>
+              <a:rPr lang="en-US" altLang="ko-KR" sz="2500"/>
+              <a:t>,</a:t>
+            </a:r>
+            <a:r>
+              <a:rPr lang="ko-KR" altLang="en-US" sz="2500"/>
+              <a:t> 파이프폭탄 </a:t>
+            </a:r>
+            <a:r>
+              <a:rPr lang="en-US" altLang="ko-KR" sz="2500"/>
+              <a:t>2</a:t>
+            </a:r>
+            <a:r>
+              <a:rPr lang="ko-KR" altLang="en-US" sz="2500"/>
+              <a:t>가지로 구현</a:t>
+            </a:r>
+            <a:endParaRPr lang="ko-KR" altLang="en-US" sz="2500"/>
+          </a:p>
+          <a:p>
+            <a:pPr>
+              <a:defRPr/>
+            </a:pPr>
+            <a:r>
+              <a:rPr lang="ko-KR" altLang="en-US" sz="2500"/>
+              <a:t>회복아이템은 자기자신 체력 회복시켜주는 메디킷만 구현</a:t>
+            </a:r>
+            <a:endParaRPr lang="ko-KR" altLang="en-US" sz="2500"/>
+          </a:p>
+          <a:p>
+            <a:pPr>
+              <a:defRPr/>
+            </a:pPr>
+            <a:r>
+              <a:rPr lang="en-US" altLang="ko-KR" sz="2500"/>
+              <a:t>f</a:t>
+            </a:r>
+            <a:r>
+              <a:rPr lang="ko-KR" altLang="en-US" sz="2500"/>
+              <a:t>를 누르면 밀치기로 앞에있는 좀비를 떨어뜨릴수있음</a:t>
+            </a:r>
+            <a:endParaRPr lang="ko-KR" altLang="en-US" sz="2500"/>
+          </a:p>
+          <a:p>
+            <a:pPr>
+              <a:defRPr/>
+            </a:pPr>
+            <a:endParaRPr lang="ko-KR" altLang="en-US" sz="2500"/>
+          </a:p>
+        </p:txBody>
+      </p:sp>
+    </p:spTree>
+  </p:cSld>
+  <p:clrMapOvr>
+    <a:masterClrMapping/>
+  </p:clrMapOvr>
+  <mc:AlternateContent xmlns:mc="http://schemas.openxmlformats.org/markup-compatibility/2006">
+    <mc:Choice xmlns:p14="http://schemas.microsoft.com/office/powerpoint/2010/main" Requires="p14">
+      <p:transition xmlns:mc="http://schemas.openxmlformats.org/markup-compatibility/2006" xmlns:p14="http://schemas.microsoft.com/office/powerpoint/2010/main" mc:Ignorable="p14" p14:dur="500"/>
+    </mc:Choice>
+    <mc:Fallback>
+      <p:transition/>
+    </mc:Fallback>
+  </mc:AlternateContent>
+</p:sld>
+</file>
+
+<file path=ppt/slides/slide13.xml><?xml version="1.0" encoding="utf-8"?>
+<p:sld xmlns:r="http://schemas.openxmlformats.org/officeDocument/2006/relationships" xmlns:c="http://schemas.openxmlformats.org/drawingml/2006/chart" xmlns:a="http://schemas.openxmlformats.org/drawingml/2006/main" xmlns:dgm="http://schemas.openxmlformats.org/drawingml/2006/diagram" xmlns:dsp="http://schemas.microsoft.com/office/drawing/2008/diagram" xmlns:p="http://schemas.openxmlformats.org/presentationml/2006/main">
+  <p:cSld>
+    <p:spTree>
+      <p:nvGrpSpPr>
+        <p:cNvPr id="1" name=""/>
+        <p:cNvGrpSpPr/>
+        <p:nvPr/>
+      </p:nvGrpSpPr>
+      <p:grpSpPr>
+        <a:xfrm>
+          <a:off x="0" y="0"/>
+          <a:ext cx="0" cy="0"/>
+          <a:chOff x="0" y="0"/>
+          <a:chExt cx="0" cy="0"/>
+        </a:xfrm>
+      </p:grpSpPr>
+      <p:sp>
+        <p:nvSpPr>
+          <p:cNvPr id="2" name="제목 1"/>
+          <p:cNvSpPr>
+            <a:spLocks noGrp="1"/>
+          </p:cNvSpPr>
+          <p:nvPr>
+            <p:ph type="title" idx="0"/>
+          </p:nvPr>
+        </p:nvSpPr>
+        <p:spPr/>
+        <p:txBody>
+          <a:bodyPr/>
+          <a:lstStyle/>
+          <a:p>
+            <a:pPr>
+              <a:defRPr/>
+            </a:pPr>
+            <a:r>
+              <a:rPr lang="ko-KR" altLang="en-US"/>
+              <a:t>추가 개발 요소</a:t>
+            </a:r>
+            <a:endParaRPr lang="ko-KR" altLang="en-US"/>
+          </a:p>
+        </p:txBody>
+      </p:sp>
+      <p:sp>
+        <p:nvSpPr>
+          <p:cNvPr id="3" name="내용 개체 틀 2"/>
+          <p:cNvSpPr>
+            <a:spLocks noGrp="1"/>
+          </p:cNvSpPr>
+          <p:nvPr>
+            <p:ph idx="1"/>
+          </p:nvPr>
+        </p:nvSpPr>
+        <p:spPr>
+          <a:xfrm>
+            <a:off x="623316" y="1600200"/>
+            <a:ext cx="10972798" cy="4525963"/>
+          </a:xfrm>
+        </p:spPr>
+        <p:txBody>
+          <a:bodyPr/>
+          <a:lstStyle/>
+          <a:p>
+            <a:pPr>
+              <a:defRPr/>
+            </a:pPr>
+            <a:r>
+              <a:rPr lang="ko-KR" altLang="en-US" sz="2500"/>
+              <a:t>시간이 있다면 날 도와주는</a:t>
+            </a:r>
+            <a:r>
+              <a:rPr lang="en-US" altLang="ko-KR" sz="2500"/>
+              <a:t> AI</a:t>
+            </a:r>
+            <a:r>
+              <a:rPr lang="ko-KR" altLang="en-US" sz="2500"/>
+              <a:t>까지 개발해보기</a:t>
+            </a:r>
+            <a:endParaRPr lang="ko-KR" altLang="en-US" sz="2500"/>
+          </a:p>
+        </p:txBody>
+      </p:sp>
+    </p:spTree>
+  </p:cSld>
+  <p:clrMapOvr>
+    <a:masterClrMapping/>
+  </p:clrMapOvr>
+  <mc:AlternateContent xmlns:mc="http://schemas.openxmlformats.org/markup-compatibility/2006">
+    <mc:Choice xmlns:p14="http://schemas.microsoft.com/office/powerpoint/2010/main" Requires="p14">
+      <p:transition xmlns:mc="http://schemas.openxmlformats.org/markup-compatibility/2006" xmlns:p14="http://schemas.microsoft.com/office/powerpoint/2010/main" mc:Ignorable="p14" p14:dur="500"/>
+    </mc:Choice>
+    <mc:Fallback>
+      <p:transition/>
+    </mc:Fallback>
+  </mc:AlternateContent>
+</p:sld>
+</file>
+
+<file path=ppt/slides/slide14.xml><?xml version="1.0" encoding="utf-8"?>
 <p:sld xmlns:r="http://schemas.openxmlformats.org/officeDocument/2006/relationships" xmlns:c="http://schemas.openxmlformats.org/drawingml/2006/chart" xmlns:a="http://schemas.openxmlformats.org/drawingml/2006/main" xmlns:dgm="http://schemas.openxmlformats.org/drawingml/2006/diagram" xmlns:dsp="http://schemas.microsoft.com/office/drawing/2008/diagram" xmlns:p="http://schemas.openxmlformats.org/presentationml/2006/main">
   <p:cSld>
     <p:spTree>
@@ -4207,7 +4678,11 @@
                         <a:buNone/>
                         <a:defRPr/>
                       </a:pPr>
-                      <a:endParaRPr lang="en-US"/>
+                      <a:r>
+                        <a:rPr lang="en-US" altLang="ko-KR"/>
+                        <a:t>2025-04-16</a:t>
+                      </a:r>
+                      <a:endParaRPr lang="en-US" altLang="ko-KR"/>
                     </a:p>
                   </a:txBody>
                   <a:tcPr marL="91425" marR="91425" marT="91425" marB="91425"/>
@@ -4226,6 +4701,10 @@
                         <a:buNone/>
                         <a:defRPr/>
                       </a:pPr>
+                      <a:r>
+                        <a:rPr lang="ko-KR" altLang="en-US"/>
+                        <a:t>좀비 움직임 기획 추가</a:t>
+                      </a:r>
                       <a:endParaRPr lang="ko-KR" altLang="en-US"/>
                     </a:p>
                   </a:txBody>
@@ -4245,6 +4724,10 @@
                         <a:buNone/>
                         <a:defRPr/>
                       </a:pPr>
+                      <a:r>
+                        <a:rPr lang="ko-KR" altLang="en-US"/>
+                        <a:t>김상훈</a:t>
+                      </a:r>
                       <a:endParaRPr lang="ko-KR" altLang="en-US"/>
                     </a:p>
                   </a:txBody>
@@ -4285,7 +4768,11 @@
                         <a:buNone/>
                         <a:defRPr/>
                       </a:pPr>
-                      <a:endParaRPr/>
+                      <a:r>
+                        <a:rPr lang="en-US" altLang="ko-KR"/>
+                        <a:t>2025-04-20</a:t>
+                      </a:r>
+                      <a:endParaRPr lang="en-US" altLang="ko-KR"/>
                     </a:p>
                   </a:txBody>
                   <a:tcPr marL="91425" marR="91425" marT="91425" marB="91425"/>
@@ -4304,7 +4791,11 @@
                         <a:buNone/>
                         <a:defRPr/>
                       </a:pPr>
-                      <a:endParaRPr/>
+                      <a:r>
+                        <a:rPr lang="ko-KR" altLang="en-US"/>
+                        <a:t>게임 기획 변경</a:t>
+                      </a:r>
+                      <a:endParaRPr lang="ko-KR" altLang="en-US"/>
                     </a:p>
                   </a:txBody>
                   <a:tcPr marL="91425" marR="91425" marT="91425" marB="91425"/>
@@ -4323,7 +4814,11 @@
                         <a:buNone/>
                         <a:defRPr/>
                       </a:pPr>
-                      <a:endParaRPr/>
+                      <a:r>
+                        <a:rPr lang="ko-KR" altLang="en-US"/>
+                        <a:t>김상훈</a:t>
+                      </a:r>
+                      <a:endParaRPr lang="ko-KR" altLang="en-US"/>
                     </a:p>
                   </a:txBody>
                   <a:tcPr marL="91425" marR="91425" marT="91425" marB="91425"/>
@@ -4342,7 +4837,31 @@
                         <a:buNone/>
                         <a:defRPr/>
                       </a:pPr>
-                      <a:endParaRPr/>
+                      <a:r>
+                        <a:rPr lang="en-US" altLang="ko-KR"/>
+                        <a:t>1</a:t>
+                      </a:r>
+                      <a:r>
+                        <a:rPr lang="ko-KR" altLang="en-US"/>
+                        <a:t>인칭 </a:t>
+                      </a:r>
+                      <a:r>
+                        <a:rPr lang="en-US" altLang="ko-KR"/>
+                        <a:t>-&gt;</a:t>
+                      </a:r>
+                      <a:r>
+                        <a:rPr lang="ko-KR" altLang="en-US"/>
+                        <a:t> </a:t>
+                      </a:r>
+                      <a:r>
+                        <a:rPr lang="en-US" altLang="ko-KR"/>
+                        <a:t>3</a:t>
+                      </a:r>
+                      <a:r>
+                        <a:rPr lang="ko-KR" altLang="en-US"/>
+                        <a:t>인칭</a:t>
+                      </a:r>
+                      <a:endParaRPr lang="en-US" altLang="ko-KR"/>
                     </a:p>
                   </a:txBody>
                   <a:tcPr marL="91425" marR="91425" marT="91425" marB="91425"/>
@@ -4363,7 +4882,11 @@
                         <a:buNone/>
                         <a:defRPr/>
                       </a:pPr>
-                      <a:endParaRPr/>
+                      <a:r>
+                        <a:rPr lang="en-US" altLang="ko-KR"/>
+                        <a:t>2025-04-24</a:t>
+                      </a:r>
+                      <a:endParaRPr lang="en-US" altLang="ko-KR"/>
                     </a:p>
                   </a:txBody>
                   <a:tcPr marL="91425" marR="91425" marT="91425" marB="91425"/>
@@ -4372,17 +4895,18 @@
                   <a:txBody>
                     <a:bodyPr vert="horz" lIns="91424" tIns="91424" rIns="91424" bIns="91424" anchor="t" anchorCtr="0"/>
                     <a:p>
-                      <a:pPr marL="0" lvl="0" indent="0" algn="l" rtl="0">
-                        <a:spcBef>
-                          <a:spcPts val="0"/>
-                        </a:spcBef>
-                        <a:spcAft>
-                          <a:spcPts val="0"/>
-                        </a:spcAft>
-                        <a:buNone/>
+                      <a:pPr>
                         <a:defRPr/>
                       </a:pPr>
-                      <a:endParaRPr/>
+                      <a:r>
+                        <a:rPr lang="en-US" altLang="ko-KR"/>
+                        <a:t>Enemy Animation</a:t>
+                      </a:r>
+                      <a:r>
+                        <a:rPr lang="ko-KR" altLang="en-US"/>
+                        <a:t> 동작 방식 문서화</a:t>
+                      </a:r>
+                      <a:endParaRPr lang="ko-KR" altLang="en-US"/>
                     </a:p>
                   </a:txBody>
                   <a:tcPr marL="91425" marR="91425" marT="91425" marB="91425"/>
@@ -4406,7 +4930,11 @@
                         <a:buNone/>
                         <a:defRPr/>
                       </a:pPr>
-                      <a:endParaRPr/>
+                      <a:r>
+                        <a:rPr lang="ko-KR" altLang="en-US"/>
+                        <a:t>김상훈</a:t>
+                      </a:r>
+                      <a:endParaRPr lang="ko-KR" altLang="en-US"/>
                     </a:p>
                   </a:txBody>
                   <a:tcPr marL="91425" marR="91425" marT="91425" marB="91425"/>
@@ -5595,6 +6123,52 @@
               <a:cs typeface="+mn-cs"/>
             </a:endParaRPr>
           </a:p>
+          <a:p>
+            <a:pPr marL="342900" indent="-342900" algn="l" defTabSz="914400" rtl="0" eaLnBrk="1" latinLnBrk="1" hangingPunct="1">
+              <a:lnSpc>
+                <a:spcPct val="100000"/>
+              </a:lnSpc>
+              <a:spcBef>
+                <a:spcPct val="20000"/>
+              </a:spcBef>
+              <a:spcAft>
+                <a:spcPts val="0"/>
+              </a:spcAft>
+              <a:buFont typeface="Arial"/>
+              <a:buChar char="•"/>
+              <a:defRPr/>
+            </a:pPr>
+            <a:r>
+              <a:rPr xmlns:mc="http://schemas.openxmlformats.org/markup-compatibility/2006" xmlns:hp="http://schemas.haansoft.com/office/presentation/8.0" kumimoji="0" lang="en-US" altLang="ko-KR" sz="2500" b="0" i="0" u="none" strike="noStrike" kern="1200" cap="none" spc="0" normalizeH="0" baseline="0" mc:Ignorable="hp" hp:hslEmbossed="0">
+                <a:solidFill>
+                  <a:schemeClr val="tx1"/>
+                </a:solidFill>
+                <a:latin typeface="+mn-lt"/>
+                <a:ea typeface="+mn-ea"/>
+                <a:cs typeface="+mn-cs"/>
+              </a:rPr>
+              <a:t>3</a:t>
+            </a:r>
+            <a:r>
+              <a:rPr xmlns:mc="http://schemas.openxmlformats.org/markup-compatibility/2006" xmlns:hp="http://schemas.haansoft.com/office/presentation/8.0" kumimoji="0" lang="ko-KR" altLang="en-US" sz="2500" b="0" i="0" u="none" strike="noStrike" kern="1200" cap="none" spc="0" normalizeH="0" baseline="0" mc:Ignorable="hp" hp:hslEmbossed="0">
+                <a:solidFill>
+                  <a:schemeClr val="tx1"/>
+                </a:solidFill>
+                <a:latin typeface="+mn-lt"/>
+                <a:ea typeface="+mn-ea"/>
+                <a:cs typeface="+mn-cs"/>
+              </a:rPr>
+              <a:t>인칭 뷰</a:t>
+            </a:r>
+            <a:endParaRPr xmlns:mc="http://schemas.openxmlformats.org/markup-compatibility/2006" xmlns:hp="http://schemas.haansoft.com/office/presentation/8.0" kumimoji="0" lang="en-US" altLang="ko-KR" sz="2500" b="0" i="0" u="none" strike="noStrike" kern="1200" cap="none" spc="0" normalizeH="0" baseline="0" mc:Ignorable="hp" hp:hslEmbossed="0">
+              <a:solidFill>
+                <a:schemeClr val="tx1"/>
+              </a:solidFill>
+              <a:latin typeface="+mn-lt"/>
+              <a:ea typeface="+mn-ea"/>
+              <a:cs typeface="+mn-cs"/>
+            </a:endParaRPr>
+          </a:p>
         </p:txBody>
       </p:sp>
     </p:spTree>
@@ -5650,297 +6224,527 @@
             </a:pPr>
             <a:r>
               <a:rPr lang="ko-KR" altLang="en-US"/>
-              <a:t>게임 특징</a:t>
-            </a:r>
-            <a:endParaRPr lang="ko-KR" altLang="en-US"/>
-          </a:p>
-        </p:txBody>
-      </p:sp>
-      <p:sp>
-        <p:nvSpPr>
-          <p:cNvPr id="4" name="내용 개체 틀 2"/>
-          <p:cNvSpPr/>
+              <a:t>좀비 움직임 기획</a:t>
+            </a:r>
+            <a:endParaRPr lang="ko-KR" altLang="en-US"/>
+          </a:p>
+        </p:txBody>
+      </p:sp>
+      <p:sp>
+        <p:nvSpPr>
+          <p:cNvPr id="4" name=""/>
+          <p:cNvSpPr txBox="1"/>
           <p:nvPr/>
         </p:nvSpPr>
         <p:spPr>
           <a:xfrm>
-            <a:off x="551307" y="1567370"/>
-            <a:ext cx="10972798" cy="4525963"/>
+            <a:off x="1271397" y="1474597"/>
+            <a:ext cx="3168397" cy="1182243"/>
           </a:xfrm>
           <a:prstGeom prst="rect">
             <a:avLst/>
           </a:prstGeom>
         </p:spPr>
         <p:txBody>
-          <a:bodyPr vert="horz" lIns="91440" tIns="45720" rIns="91440" bIns="45720">
-            <a:normAutofit lnSpcReduction="10000"/>
+          <a:bodyPr wrap="square">
+            <a:spAutoFit/>
           </a:bodyPr>
           <a:p>
-            <a:pPr marL="342900" indent="-342900" algn="l" defTabSz="914400" rtl="0" eaLnBrk="1" latinLnBrk="1" hangingPunct="1">
-              <a:lnSpc>
-                <a:spcPct val="100000"/>
-              </a:lnSpc>
-              <a:spcBef>
-                <a:spcPct val="20000"/>
-              </a:spcBef>
-              <a:spcAft>
-                <a:spcPts val="0"/>
-              </a:spcAft>
-              <a:buFont typeface="Arial"/>
-              <a:buChar char="•"/>
-              <a:defRPr/>
-            </a:pPr>
-            <a:r>
-              <a:rPr xmlns:mc="http://schemas.openxmlformats.org/markup-compatibility/2006" xmlns:hp="http://schemas.haansoft.com/office/presentation/8.0" kumimoji="0" lang="ko-KR" altLang="en-US" sz="2500" b="0" i="0" u="none" strike="noStrike" kern="1200" cap="none" spc="0" normalizeH="0" baseline="0" mc:Ignorable="hp" hp:hslEmbossed="0">
-                <a:solidFill>
-                  <a:schemeClr val="tx1"/>
-                </a:solidFill>
-                <a:latin typeface="+mn-lt"/>
-                <a:ea typeface="+mn-ea"/>
-                <a:cs typeface="+mn-cs"/>
-              </a:rPr>
-              <a:t>다양한 주무기</a:t>
-            </a:r>
-            <a:r>
-              <a:rPr xmlns:mc="http://schemas.openxmlformats.org/markup-compatibility/2006" xmlns:hp="http://schemas.haansoft.com/office/presentation/8.0" kumimoji="0" lang="en-US" altLang="ko-KR" sz="2500" b="0" i="0" u="none" strike="noStrike" kern="1200" cap="none" spc="0" normalizeH="0" baseline="0" mc:Ignorable="hp" hp:hslEmbossed="0">
-                <a:solidFill>
-                  <a:schemeClr val="tx1"/>
-                </a:solidFill>
-                <a:latin typeface="+mn-lt"/>
-                <a:ea typeface="+mn-ea"/>
-                <a:cs typeface="+mn-cs"/>
-              </a:rPr>
-              <a:t>,</a:t>
-            </a:r>
-            <a:r>
-              <a:rPr xmlns:mc="http://schemas.openxmlformats.org/markup-compatibility/2006" xmlns:hp="http://schemas.haansoft.com/office/presentation/8.0" kumimoji="0" lang="ko-KR" altLang="en-US" sz="2500" b="0" i="0" u="none" strike="noStrike" kern="1200" cap="none" spc="0" normalizeH="0" baseline="0" mc:Ignorable="hp" hp:hslEmbossed="0">
-                <a:solidFill>
-                  <a:schemeClr val="tx1"/>
-                </a:solidFill>
-                <a:latin typeface="+mn-lt"/>
-                <a:ea typeface="+mn-ea"/>
-                <a:cs typeface="+mn-cs"/>
-              </a:rPr>
-              <a:t> 보조무기</a:t>
-            </a:r>
-            <a:r>
-              <a:rPr xmlns:mc="http://schemas.openxmlformats.org/markup-compatibility/2006" xmlns:hp="http://schemas.haansoft.com/office/presentation/8.0" kumimoji="0" lang="en-US" altLang="ko-KR" sz="2500" b="0" i="0" u="none" strike="noStrike" kern="1200" cap="none" spc="0" normalizeH="0" baseline="0" mc:Ignorable="hp" hp:hslEmbossed="0">
-                <a:solidFill>
-                  <a:schemeClr val="tx1"/>
-                </a:solidFill>
-                <a:latin typeface="+mn-lt"/>
-                <a:ea typeface="+mn-ea"/>
-                <a:cs typeface="+mn-cs"/>
-              </a:rPr>
-              <a:t>,</a:t>
-            </a:r>
-            <a:r>
-              <a:rPr xmlns:mc="http://schemas.openxmlformats.org/markup-compatibility/2006" xmlns:hp="http://schemas.haansoft.com/office/presentation/8.0" kumimoji="0" lang="ko-KR" altLang="en-US" sz="2500" b="0" i="0" u="none" strike="noStrike" kern="1200" cap="none" spc="0" normalizeH="0" baseline="0" mc:Ignorable="hp" hp:hslEmbossed="0">
-                <a:solidFill>
-                  <a:schemeClr val="tx1"/>
-                </a:solidFill>
-                <a:latin typeface="+mn-lt"/>
-                <a:ea typeface="+mn-ea"/>
-                <a:cs typeface="+mn-cs"/>
-              </a:rPr>
-              <a:t> 투척무기 구현하여 플레이어 취향에 맞는 무기 선택 가능</a:t>
-            </a:r>
-            <a:endParaRPr xmlns:mc="http://schemas.openxmlformats.org/markup-compatibility/2006" xmlns:hp="http://schemas.haansoft.com/office/presentation/8.0" kumimoji="0" lang="ko-KR" altLang="en-US" sz="2500" b="0" i="0" u="none" strike="noStrike" kern="1200" cap="none" spc="0" normalizeH="0" baseline="0" mc:Ignorable="hp" hp:hslEmbossed="0">
-              <a:solidFill>
-                <a:schemeClr val="tx1"/>
-              </a:solidFill>
-              <a:latin typeface="+mn-lt"/>
-              <a:ea typeface="+mn-ea"/>
-              <a:cs typeface="+mn-cs"/>
-            </a:endParaRPr>
-          </a:p>
-          <a:p>
-            <a:pPr marL="342900" indent="-342900" algn="l" defTabSz="914400" rtl="0" eaLnBrk="1" latinLnBrk="1" hangingPunct="1">
-              <a:lnSpc>
-                <a:spcPct val="100000"/>
-              </a:lnSpc>
-              <a:spcBef>
-                <a:spcPct val="20000"/>
-              </a:spcBef>
-              <a:spcAft>
-                <a:spcPts val="0"/>
-              </a:spcAft>
-              <a:buFont typeface="Arial"/>
-              <a:buChar char="•"/>
-              <a:defRPr/>
-            </a:pPr>
-            <a:r>
-              <a:rPr xmlns:mc="http://schemas.openxmlformats.org/markup-compatibility/2006" xmlns:hp="http://schemas.haansoft.com/office/presentation/8.0" kumimoji="0" lang="ko-KR" altLang="en-US" sz="2500" b="0" i="0" u="none" strike="noStrike" kern="1200" cap="none" spc="0" normalizeH="0" baseline="0" mc:Ignorable="hp" hp:hslEmbossed="0">
-                <a:solidFill>
-                  <a:schemeClr val="tx1"/>
-                </a:solidFill>
-                <a:latin typeface="+mn-lt"/>
-                <a:ea typeface="+mn-ea"/>
-                <a:cs typeface="+mn-cs"/>
-              </a:rPr>
-              <a:t>특수한 능력을 가진 좀비 구현</a:t>
-            </a:r>
-            <a:r>
-              <a:rPr xmlns:mc="http://schemas.openxmlformats.org/markup-compatibility/2006" xmlns:hp="http://schemas.haansoft.com/office/presentation/8.0" kumimoji="0" lang="en-US" altLang="ko-KR" sz="2500" b="0" i="0" u="none" strike="noStrike" kern="1200" cap="none" spc="0" normalizeH="0" baseline="0" mc:Ignorable="hp" hp:hslEmbossed="0">
-                <a:solidFill>
-                  <a:schemeClr val="tx1"/>
-                </a:solidFill>
-                <a:latin typeface="+mn-lt"/>
-                <a:ea typeface="+mn-ea"/>
-                <a:cs typeface="+mn-cs"/>
-              </a:rPr>
+            <a:pPr>
+              <a:defRPr/>
+            </a:pPr>
+            <a:r>
+              <a:rPr lang="en-US" altLang="ko-KR"/>
+              <a:t>Patrol State</a:t>
+            </a:r>
+            <a:endParaRPr lang="en-US" altLang="ko-KR"/>
+          </a:p>
+          <a:p>
+            <a:pPr>
+              <a:defRPr/>
+            </a:pPr>
+            <a:r>
+              <a:rPr lang="en-US" altLang="ko-KR"/>
+              <a:t>- </a:t>
+            </a:r>
+            <a:r>
+              <a:rPr lang="ko-KR" altLang="en-US"/>
+              <a:t>랜덤 시간마다 확률적으로 근처 랜덤 좌표로 이동</a:t>
+            </a:r>
+            <a:br>
+              <a:rPr lang="ko-KR" altLang="en-US"/>
+            </a:br>
+            <a:r>
+              <a:rPr lang="en-US" altLang="ko-KR"/>
               <a:t>(</a:t>
             </a:r>
             <a:r>
-              <a:rPr xmlns:mc="http://schemas.openxmlformats.org/markup-compatibility/2006" xmlns:hp="http://schemas.haansoft.com/office/presentation/8.0" kumimoji="0" lang="ko-KR" altLang="en-US" sz="2500" b="0" i="0" u="none" strike="noStrike" kern="1200" cap="none" spc="0" normalizeH="0" baseline="0" mc:Ignorable="hp" hp:hslEmbossed="0">
-                <a:solidFill>
-                  <a:schemeClr val="tx1"/>
-                </a:solidFill>
-                <a:latin typeface="+mn-lt"/>
-                <a:ea typeface="+mn-ea"/>
-                <a:cs typeface="+mn-cs"/>
-              </a:rPr>
-              <a:t>난이도 상향</a:t>
-            </a:r>
-            <a:r>
-              <a:rPr xmlns:mc="http://schemas.openxmlformats.org/markup-compatibility/2006" xmlns:hp="http://schemas.haansoft.com/office/presentation/8.0" kumimoji="0" lang="en-US" altLang="ko-KR" sz="2500" b="0" i="0" u="none" strike="noStrike" kern="1200" cap="none" spc="0" normalizeH="0" baseline="0" mc:Ignorable="hp" hp:hslEmbossed="0">
-                <a:solidFill>
-                  <a:schemeClr val="tx1"/>
-                </a:solidFill>
-                <a:latin typeface="+mn-lt"/>
-                <a:ea typeface="+mn-ea"/>
-                <a:cs typeface="+mn-cs"/>
-              </a:rPr>
+              <a:rPr lang="ko-KR" altLang="en-US"/>
+              <a:t>주변배회</a:t>
+            </a:r>
+            <a:r>
+              <a:rPr lang="en-US" altLang="ko-KR"/>
               <a:t>)</a:t>
             </a:r>
-            <a:endParaRPr xmlns:mc="http://schemas.openxmlformats.org/markup-compatibility/2006" xmlns:hp="http://schemas.haansoft.com/office/presentation/8.0" kumimoji="0" lang="en-US" altLang="ko-KR" sz="2500" b="0" i="0" u="none" strike="noStrike" kern="1200" cap="none" spc="0" normalizeH="0" baseline="0" mc:Ignorable="hp" hp:hslEmbossed="0">
-              <a:solidFill>
-                <a:schemeClr val="tx1"/>
-              </a:solidFill>
-              <a:latin typeface="+mn-lt"/>
-              <a:ea typeface="+mn-ea"/>
-              <a:cs typeface="+mn-cs"/>
-            </a:endParaRPr>
-          </a:p>
-          <a:p>
-            <a:pPr marL="342900" indent="-342900" algn="l" defTabSz="914400" rtl="0" eaLnBrk="1" latinLnBrk="1" hangingPunct="1">
-              <a:lnSpc>
-                <a:spcPct val="100000"/>
-              </a:lnSpc>
-              <a:spcBef>
-                <a:spcPct val="20000"/>
-              </a:spcBef>
-              <a:spcAft>
-                <a:spcPts val="0"/>
-              </a:spcAft>
-              <a:buFont typeface="Arial"/>
-              <a:buChar char="•"/>
-              <a:defRPr/>
-            </a:pPr>
-            <a:endParaRPr xmlns:mc="http://schemas.openxmlformats.org/markup-compatibility/2006" xmlns:hp="http://schemas.haansoft.com/office/presentation/8.0" kumimoji="0" lang="en-US" altLang="ko-KR" sz="2500" b="0" i="0" u="none" strike="noStrike" kern="1200" cap="none" spc="0" normalizeH="0" baseline="0" mc:Ignorable="hp" hp:hslEmbossed="0">
-              <a:solidFill>
-                <a:schemeClr val="tx1"/>
-              </a:solidFill>
-              <a:latin typeface="+mn-lt"/>
-              <a:ea typeface="+mn-ea"/>
-              <a:cs typeface="+mn-cs"/>
-            </a:endParaRPr>
-          </a:p>
-          <a:p>
-            <a:pPr marL="342900" indent="-342900" algn="l" defTabSz="914400" rtl="0" eaLnBrk="1" latinLnBrk="1" hangingPunct="1">
-              <a:lnSpc>
-                <a:spcPct val="100000"/>
-              </a:lnSpc>
-              <a:spcBef>
-                <a:spcPct val="20000"/>
-              </a:spcBef>
-              <a:spcAft>
-                <a:spcPts val="0"/>
-              </a:spcAft>
-              <a:buFont typeface="Arial"/>
-              <a:buChar char="•"/>
-              <a:defRPr/>
-            </a:pPr>
-            <a:endParaRPr xmlns:mc="http://schemas.openxmlformats.org/markup-compatibility/2006" xmlns:hp="http://schemas.haansoft.com/office/presentation/8.0" kumimoji="0" lang="en-US" altLang="ko-KR" sz="2500" b="0" i="0" u="none" strike="noStrike" kern="1200" cap="none" spc="0" normalizeH="0" baseline="0" mc:Ignorable="hp" hp:hslEmbossed="0">
-              <a:solidFill>
-                <a:schemeClr val="tx1"/>
-              </a:solidFill>
-              <a:latin typeface="+mn-lt"/>
-              <a:ea typeface="+mn-ea"/>
-              <a:cs typeface="+mn-cs"/>
-            </a:endParaRPr>
-          </a:p>
-          <a:p>
-            <a:pPr marL="342900" indent="-342900" algn="l" defTabSz="914400" rtl="0" eaLnBrk="1" latinLnBrk="1" hangingPunct="1">
-              <a:lnSpc>
-                <a:spcPct val="100000"/>
-              </a:lnSpc>
-              <a:spcBef>
-                <a:spcPct val="20000"/>
-              </a:spcBef>
-              <a:spcAft>
-                <a:spcPts val="0"/>
-              </a:spcAft>
-              <a:buFont typeface="Arial"/>
-              <a:buChar char="•"/>
-              <a:defRPr/>
-            </a:pPr>
-            <a:endParaRPr xmlns:mc="http://schemas.openxmlformats.org/markup-compatibility/2006" xmlns:hp="http://schemas.haansoft.com/office/presentation/8.0" kumimoji="0" lang="en-US" altLang="ko-KR" sz="2500" b="0" i="0" u="none" strike="noStrike" kern="1200" cap="none" spc="0" normalizeH="0" baseline="0" mc:Ignorable="hp" hp:hslEmbossed="0">
-              <a:solidFill>
-                <a:schemeClr val="tx1"/>
-              </a:solidFill>
-              <a:latin typeface="+mn-lt"/>
-              <a:ea typeface="+mn-ea"/>
-              <a:cs typeface="+mn-cs"/>
-            </a:endParaRPr>
-          </a:p>
-          <a:p>
-            <a:pPr marL="342900" indent="-342900" algn="l" defTabSz="914400" rtl="0" eaLnBrk="1" latinLnBrk="1" hangingPunct="1">
-              <a:lnSpc>
-                <a:spcPct val="100000"/>
-              </a:lnSpc>
-              <a:spcBef>
-                <a:spcPct val="20000"/>
-              </a:spcBef>
-              <a:spcAft>
-                <a:spcPts val="0"/>
-              </a:spcAft>
-              <a:buFont typeface="Arial"/>
-              <a:buChar char="•"/>
-              <a:defRPr/>
-            </a:pPr>
-            <a:endParaRPr xmlns:mc="http://schemas.openxmlformats.org/markup-compatibility/2006" xmlns:hp="http://schemas.haansoft.com/office/presentation/8.0" kumimoji="0" lang="ko-KR" altLang="en-US" sz="2500" b="0" i="0" u="none" strike="noStrike" kern="1200" cap="none" spc="0" normalizeH="0" baseline="0" mc:Ignorable="hp" hp:hslEmbossed="0">
-              <a:solidFill>
-                <a:schemeClr val="tx1"/>
-              </a:solidFill>
-              <a:latin typeface="+mn-lt"/>
-              <a:ea typeface="+mn-ea"/>
-              <a:cs typeface="+mn-cs"/>
-            </a:endParaRPr>
-          </a:p>
-          <a:p>
-            <a:pPr marL="0" indent="0" algn="l" defTabSz="914400" rtl="0" eaLnBrk="1" latinLnBrk="1" hangingPunct="1">
-              <a:lnSpc>
-                <a:spcPct val="100000"/>
-              </a:lnSpc>
-              <a:spcBef>
-                <a:spcPct val="20000"/>
-              </a:spcBef>
-              <a:spcAft>
-                <a:spcPts val="0"/>
-              </a:spcAft>
-              <a:buFont typeface="Arial"/>
-              <a:buNone/>
-              <a:defRPr/>
-            </a:pPr>
-            <a:endParaRPr xmlns:mc="http://schemas.openxmlformats.org/markup-compatibility/2006" xmlns:hp="http://schemas.haansoft.com/office/presentation/8.0" kumimoji="0" lang="ko-KR" altLang="en-US" sz="2500" b="0" i="0" u="none" strike="noStrike" kern="1200" cap="none" spc="0" normalizeH="0" baseline="0" mc:Ignorable="hp" hp:hslEmbossed="0">
-              <a:solidFill>
-                <a:schemeClr val="tx1"/>
-              </a:solidFill>
-              <a:latin typeface="+mn-lt"/>
-              <a:ea typeface="+mn-ea"/>
-              <a:cs typeface="+mn-cs"/>
-            </a:endParaRPr>
+            <a:endParaRPr lang="en-US" altLang="ko-KR"/>
+          </a:p>
+        </p:txBody>
+      </p:sp>
+      <p:sp>
+        <p:nvSpPr>
+          <p:cNvPr id="5" name=""/>
+          <p:cNvSpPr/>
+          <p:nvPr/>
+        </p:nvSpPr>
+        <p:spPr>
+          <a:xfrm>
+            <a:off x="1271397" y="1417638"/>
+            <a:ext cx="2952369" cy="1296162"/>
+          </a:xfrm>
+          <a:prstGeom prst="rect">
+            <a:avLst/>
+          </a:prstGeom>
+          <a:noFill/>
+          <a:ln>
+            <a:solidFill>
+              <a:schemeClr val="dk1"/>
+            </a:solidFill>
+          </a:ln>
+        </p:spPr>
+        <p:style>
+          <a:lnRef idx="2">
+            <a:schemeClr val="accent1">
+              <a:shade val="20000"/>
+            </a:schemeClr>
+          </a:lnRef>
+          <a:fillRef idx="1">
+            <a:schemeClr val="accent1"/>
+          </a:fillRef>
+          <a:effectRef idx="0">
+            <a:schemeClr val="accent1"/>
+          </a:effectRef>
+          <a:fontRef idx="minor">
+            <a:schemeClr val="lt1"/>
+          </a:fontRef>
+        </p:style>
+        <p:txBody>
+          <a:bodyPr anchor="ctr"/>
+          <a:p>
+            <a:pPr algn="ctr">
+              <a:defRPr/>
+            </a:pPr>
+            <a:endParaRPr lang="ko-KR" altLang="en-US"/>
+          </a:p>
+        </p:txBody>
+      </p:sp>
+      <p:sp>
+        <p:nvSpPr>
+          <p:cNvPr id="6" name=""/>
+          <p:cNvSpPr txBox="1"/>
+          <p:nvPr/>
+        </p:nvSpPr>
+        <p:spPr>
+          <a:xfrm>
+            <a:off x="7536179" y="1474597"/>
+            <a:ext cx="3168396" cy="904748"/>
+          </a:xfrm>
+          <a:prstGeom prst="rect">
+            <a:avLst/>
+          </a:prstGeom>
+        </p:spPr>
+        <p:txBody>
+          <a:bodyPr wrap="square">
+            <a:spAutoFit/>
+          </a:bodyPr>
+          <a:lstStyle/>
+          <a:p>
+            <a:pPr>
+              <a:defRPr/>
+            </a:pPr>
+            <a:r>
+              <a:rPr lang="en-US" altLang="ko-KR"/>
+              <a:t>Attack State</a:t>
+            </a:r>
+            <a:endParaRPr lang="en-US" altLang="ko-KR"/>
+          </a:p>
+          <a:p>
+            <a:pPr>
+              <a:defRPr/>
+            </a:pPr>
+            <a:r>
+              <a:rPr lang="en-US" altLang="ko-KR"/>
+              <a:t>- </a:t>
+            </a:r>
+            <a:r>
+              <a:rPr lang="ko-KR" altLang="en-US"/>
+              <a:t>플레이어가 시야에 진입시</a:t>
+            </a:r>
+            <a:br>
+              <a:rPr lang="ko-KR" altLang="en-US"/>
+            </a:br>
+            <a:r>
+              <a:rPr lang="ko-KR" altLang="en-US"/>
+              <a:t>죽을때까지 플레이어를 쫓음</a:t>
+            </a:r>
+            <a:endParaRPr lang="ko-KR" altLang="en-US"/>
+          </a:p>
+        </p:txBody>
+      </p:sp>
+      <p:sp>
+        <p:nvSpPr>
+          <p:cNvPr id="7" name=""/>
+          <p:cNvSpPr/>
+          <p:nvPr/>
+        </p:nvSpPr>
+        <p:spPr>
+          <a:xfrm>
+            <a:off x="7536179" y="1417638"/>
+            <a:ext cx="2952369" cy="1296162"/>
+          </a:xfrm>
+          <a:prstGeom prst="rect">
+            <a:avLst/>
+          </a:prstGeom>
+          <a:noFill/>
+          <a:ln>
+            <a:solidFill>
+              <a:schemeClr val="dk1"/>
+            </a:solidFill>
+          </a:ln>
+        </p:spPr>
+        <p:style>
+          <a:lnRef idx="2">
+            <a:schemeClr val="accent1">
+              <a:shade val="20000"/>
+            </a:schemeClr>
+          </a:lnRef>
+          <a:fillRef idx="1">
+            <a:schemeClr val="accent1"/>
+          </a:fillRef>
+          <a:effectRef idx="0">
+            <a:schemeClr val="accent1"/>
+          </a:effectRef>
+          <a:fontRef idx="minor">
+            <a:schemeClr val="lt1"/>
+          </a:fontRef>
+        </p:style>
+        <p:txBody>
+          <a:bodyPr anchor="ctr"/>
+          <a:lstStyle/>
+          <a:p>
+            <a:pPr algn="ctr">
+              <a:defRPr/>
+            </a:pPr>
+            <a:endParaRPr lang="ko-KR" altLang="en-US"/>
+          </a:p>
+        </p:txBody>
+      </p:sp>
+      <p:cxnSp>
+        <p:nvCxnSpPr>
+          <p:cNvPr id="8" name=""/>
+          <p:cNvCxnSpPr>
+            <a:stCxn id="5" idx="3"/>
+            <a:endCxn id="7" idx="1"/>
+          </p:cNvCxnSpPr>
+          <p:nvPr/>
+        </p:nvCxnSpPr>
+        <p:spPr>
+          <a:xfrm>
+            <a:off x="4223766" y="2065719"/>
+            <a:ext cx="3312413" cy="0"/>
+          </a:xfrm>
+          <a:prstGeom prst="straightConnector1">
+            <a:avLst/>
+          </a:prstGeom>
+          <a:ln>
+            <a:tailEnd type="arrow"/>
+          </a:ln>
+        </p:spPr>
+        <p:style>
+          <a:lnRef idx="1">
+            <a:schemeClr val="accent1"/>
+          </a:lnRef>
+          <a:fillRef idx="0">
+            <a:schemeClr val="accent1"/>
+          </a:fillRef>
+          <a:effectRef idx="0">
+            <a:schemeClr val="accent1"/>
+          </a:effectRef>
+          <a:fontRef idx="minor">
+            <a:schemeClr val="tx1"/>
+          </a:fontRef>
+        </p:style>
+      </p:cxnSp>
+      <p:sp>
+        <p:nvSpPr>
+          <p:cNvPr id="9" name=""/>
+          <p:cNvSpPr txBox="1"/>
+          <p:nvPr/>
+        </p:nvSpPr>
+        <p:spPr>
+          <a:xfrm>
+            <a:off x="4403788" y="1562258"/>
+            <a:ext cx="2952369" cy="364713"/>
+          </a:xfrm>
+          <a:prstGeom prst="rect">
+            <a:avLst/>
+          </a:prstGeom>
+        </p:spPr>
+        <p:txBody>
+          <a:bodyPr wrap="square">
+            <a:spAutoFit/>
+          </a:bodyPr>
+          <a:p>
+            <a:pPr>
+              <a:defRPr/>
+            </a:pPr>
+            <a:r>
+              <a:rPr lang="ko-KR" altLang="en-US"/>
+              <a:t>플레이어가 시야에 진입시</a:t>
+            </a:r>
+            <a:endParaRPr lang="ko-KR" altLang="en-US"/>
+          </a:p>
+        </p:txBody>
+      </p:sp>
+      <p:sp>
+        <p:nvSpPr>
+          <p:cNvPr id="10" name=""/>
+          <p:cNvSpPr txBox="1"/>
+          <p:nvPr/>
+        </p:nvSpPr>
+        <p:spPr>
+          <a:xfrm>
+            <a:off x="4295775" y="4278058"/>
+            <a:ext cx="3168396" cy="901637"/>
+          </a:xfrm>
+          <a:prstGeom prst="rect">
+            <a:avLst/>
+          </a:prstGeom>
+        </p:spPr>
+        <p:txBody>
+          <a:bodyPr wrap="square">
+            <a:spAutoFit/>
+          </a:bodyPr>
+          <a:lstStyle/>
+          <a:p>
+            <a:pPr>
+              <a:defRPr/>
+            </a:pPr>
+            <a:r>
+              <a:rPr lang="en-US" altLang="ko-KR"/>
+              <a:t>Dead State</a:t>
+            </a:r>
+            <a:endParaRPr lang="en-US" altLang="ko-KR"/>
+          </a:p>
+          <a:p>
+            <a:pPr>
+              <a:defRPr/>
+            </a:pPr>
+            <a:r>
+              <a:rPr lang="en-US" altLang="ko-KR"/>
+              <a:t>- </a:t>
+            </a:r>
+            <a:r>
+              <a:rPr lang="ko-KR" altLang="en-US"/>
+              <a:t>애니메이션 실행 및 객체   비활성화</a:t>
+            </a:r>
+            <a:endParaRPr lang="ko-KR" altLang="en-US"/>
+          </a:p>
+        </p:txBody>
+      </p:sp>
+      <p:sp>
+        <p:nvSpPr>
+          <p:cNvPr id="11" name=""/>
+          <p:cNvSpPr/>
+          <p:nvPr/>
+        </p:nvSpPr>
+        <p:spPr>
+          <a:xfrm>
+            <a:off x="4295775" y="4221099"/>
+            <a:ext cx="2952369" cy="1296162"/>
+          </a:xfrm>
+          <a:prstGeom prst="rect">
+            <a:avLst/>
+          </a:prstGeom>
+          <a:noFill/>
+          <a:ln>
+            <a:solidFill>
+              <a:schemeClr val="dk1"/>
+            </a:solidFill>
+          </a:ln>
+        </p:spPr>
+        <p:style>
+          <a:lnRef idx="2">
+            <a:schemeClr val="accent1">
+              <a:shade val="20000"/>
+            </a:schemeClr>
+          </a:lnRef>
+          <a:fillRef idx="1">
+            <a:schemeClr val="accent1"/>
+          </a:fillRef>
+          <a:effectRef idx="0">
+            <a:schemeClr val="accent1"/>
+          </a:effectRef>
+          <a:fontRef idx="minor">
+            <a:schemeClr val="lt1"/>
+          </a:fontRef>
+        </p:style>
+        <p:txBody>
+          <a:bodyPr anchor="ctr"/>
+          <a:lstStyle/>
+          <a:p>
+            <a:pPr algn="ctr">
+              <a:defRPr/>
+            </a:pPr>
+            <a:endParaRPr lang="ko-KR" altLang="en-US"/>
+          </a:p>
+        </p:txBody>
+      </p:sp>
+      <p:cxnSp>
+        <p:nvCxnSpPr>
+          <p:cNvPr id="12" name=""/>
+          <p:cNvCxnSpPr>
+            <a:stCxn id="5" idx="2"/>
+          </p:cNvCxnSpPr>
+          <p:nvPr/>
+        </p:nvCxnSpPr>
+        <p:spPr>
+          <a:xfrm rot="16200000" flipH="1">
+            <a:off x="2514139" y="2947240"/>
+            <a:ext cx="2015077" cy="1548195"/>
+          </a:xfrm>
+          <a:prstGeom prst="straightConnector1">
+            <a:avLst/>
+          </a:prstGeom>
+          <a:ln>
+            <a:tailEnd type="arrow"/>
+          </a:ln>
+        </p:spPr>
+        <p:style>
+          <a:lnRef idx="1">
+            <a:schemeClr val="accent1"/>
+          </a:lnRef>
+          <a:fillRef idx="0">
+            <a:schemeClr val="accent1"/>
+          </a:fillRef>
+          <a:effectRef idx="0">
+            <a:schemeClr val="accent1"/>
+          </a:effectRef>
+          <a:fontRef idx="minor">
+            <a:schemeClr val="tx1"/>
+          </a:fontRef>
+        </p:style>
+      </p:cxnSp>
+      <p:cxnSp>
+        <p:nvCxnSpPr>
+          <p:cNvPr id="13" name=""/>
+          <p:cNvCxnSpPr>
+            <a:stCxn id="7" idx="2"/>
+          </p:cNvCxnSpPr>
+          <p:nvPr/>
+        </p:nvCxnSpPr>
+        <p:spPr>
+          <a:xfrm rot="5400000">
+            <a:off x="7160581" y="2801362"/>
+            <a:ext cx="1939353" cy="1764228"/>
+          </a:xfrm>
+          <a:prstGeom prst="straightConnector1">
+            <a:avLst/>
+          </a:prstGeom>
+          <a:ln>
+            <a:tailEnd type="arrow"/>
+          </a:ln>
+        </p:spPr>
+        <p:style>
+          <a:lnRef idx="1">
+            <a:schemeClr val="accent1"/>
+          </a:lnRef>
+          <a:fillRef idx="0">
+            <a:schemeClr val="accent1"/>
+          </a:fillRef>
+          <a:effectRef idx="0">
+            <a:schemeClr val="accent1"/>
+          </a:effectRef>
+          <a:fontRef idx="minor">
+            <a:schemeClr val="tx1"/>
+          </a:fontRef>
+        </p:style>
+      </p:cxnSp>
+      <p:sp>
+        <p:nvSpPr>
+          <p:cNvPr id="14" name=""/>
+          <p:cNvSpPr txBox="1"/>
+          <p:nvPr/>
+        </p:nvSpPr>
+        <p:spPr>
+          <a:xfrm>
+            <a:off x="2587274" y="3538061"/>
+            <a:ext cx="1868806" cy="366554"/>
+          </a:xfrm>
+          <a:prstGeom prst="rect">
+            <a:avLst/>
+          </a:prstGeom>
+        </p:spPr>
+        <p:txBody>
+          <a:bodyPr wrap="square">
+            <a:spAutoFit/>
+          </a:bodyPr>
+          <a:p>
+            <a:pPr>
+              <a:defRPr/>
+            </a:pPr>
+            <a:r>
+              <a:rPr lang="ko-KR" altLang="en-US"/>
+              <a:t>체력이 </a:t>
+            </a:r>
+            <a:r>
+              <a:rPr lang="en-US" altLang="ko-KR"/>
+              <a:t>0</a:t>
+            </a:r>
+            <a:r>
+              <a:rPr lang="ko-KR" altLang="en-US"/>
+              <a:t>이 될시 </a:t>
+            </a:r>
+            <a:endParaRPr lang="ko-KR" altLang="en-US"/>
+          </a:p>
+        </p:txBody>
+      </p:sp>
+      <p:sp>
+        <p:nvSpPr>
+          <p:cNvPr id="15" name=""/>
+          <p:cNvSpPr txBox="1"/>
+          <p:nvPr/>
+        </p:nvSpPr>
+        <p:spPr>
+          <a:xfrm>
+            <a:off x="7356157" y="3538061"/>
+            <a:ext cx="1868807" cy="366554"/>
+          </a:xfrm>
+          <a:prstGeom prst="rect">
+            <a:avLst/>
+          </a:prstGeom>
+        </p:spPr>
+        <p:txBody>
+          <a:bodyPr wrap="square">
+            <a:spAutoFit/>
+          </a:bodyPr>
+          <a:lstStyle/>
+          <a:p>
+            <a:pPr>
+              <a:defRPr/>
+            </a:pPr>
+            <a:r>
+              <a:rPr lang="ko-KR" altLang="en-US"/>
+              <a:t>체력이 </a:t>
+            </a:r>
+            <a:r>
+              <a:rPr lang="en-US" altLang="ko-KR"/>
+              <a:t>0</a:t>
+            </a:r>
+            <a:r>
+              <a:rPr lang="ko-KR" altLang="en-US"/>
+              <a:t>이 될시 </a:t>
+            </a:r>
+            <a:endParaRPr lang="ko-KR" altLang="en-US"/>
           </a:p>
         </p:txBody>
       </p:sp>
@@ -5979,54 +6783,62 @@
       </p:grpSpPr>
       <p:sp>
         <p:nvSpPr>
-          <p:cNvPr id="2" name="제목 1"/>
-          <p:cNvSpPr>
-            <a:spLocks noGrp="1"/>
-          </p:cNvSpPr>
-          <p:nvPr>
-            <p:ph type="title" idx="0"/>
-          </p:nvPr>
-        </p:nvSpPr>
-        <p:spPr/>
-        <p:txBody>
-          <a:bodyPr/>
-          <a:lstStyle/>
-          <a:p>
-            <a:pPr>
-              <a:defRPr/>
-            </a:pPr>
-            <a:r>
-              <a:rPr lang="ko-KR" altLang="en-US"/>
-              <a:t>콘텐츠 구성 </a:t>
-            </a:r>
-            <a:r>
-              <a:rPr lang="en-US" altLang="ko-KR"/>
-              <a:t>1.</a:t>
-            </a:r>
-            <a:r>
-              <a:rPr lang="ko-KR" altLang="en-US"/>
-              <a:t>스토리 모드</a:t>
-            </a:r>
-            <a:endParaRPr lang="ko-KR" altLang="en-US"/>
-          </a:p>
-        </p:txBody>
-      </p:sp>
-      <p:sp>
-        <p:nvSpPr>
-          <p:cNvPr id="3" name="내용 개체 틀 2"/>
-          <p:cNvSpPr>
-            <a:spLocks noGrp="1"/>
-          </p:cNvSpPr>
-          <p:nvPr>
-            <p:ph idx="1"/>
-          </p:nvPr>
+          <p:cNvPr id="18" name=""/>
+          <p:cNvSpPr/>
+          <p:nvPr/>
         </p:nvSpPr>
         <p:spPr>
           <a:xfrm>
-            <a:off x="623316" y="1600200"/>
-            <a:ext cx="10972798" cy="4525963"/>
+            <a:off x="479298" y="3573018"/>
+            <a:ext cx="1165861" cy="358902"/>
           </a:xfrm>
+          <a:prstGeom prst="rect">
+            <a:avLst/>
+          </a:prstGeom>
+          <a:noFill/>
+          <a:ln>
+            <a:solidFill>
+              <a:schemeClr val="dk1"/>
+            </a:solidFill>
+          </a:ln>
         </p:spPr>
+        <p:style>
+          <a:lnRef idx="2">
+            <a:schemeClr val="accent1">
+              <a:shade val="20000"/>
+            </a:schemeClr>
+          </a:lnRef>
+          <a:fillRef idx="1">
+            <a:schemeClr val="accent1"/>
+          </a:fillRef>
+          <a:effectRef idx="0">
+            <a:schemeClr val="accent1"/>
+          </a:effectRef>
+          <a:fontRef idx="minor">
+            <a:schemeClr val="lt1"/>
+          </a:fontRef>
+        </p:style>
+        <p:txBody>
+          <a:bodyPr anchor="ctr"/>
+          <a:p>
+            <a:pPr algn="ctr">
+              <a:defRPr/>
+            </a:pPr>
+            <a:endParaRPr lang="en-US" altLang="ko-KR"/>
+          </a:p>
+        </p:txBody>
+      </p:sp>
+      <p:sp>
+        <p:nvSpPr>
+          <p:cNvPr id="2" name="제목 1"/>
+          <p:cNvSpPr>
+            <a:spLocks noGrp="1"/>
+          </p:cNvSpPr>
+          <p:nvPr>
+            <p:ph type="title" idx="0"/>
+          </p:nvPr>
+        </p:nvSpPr>
+        <p:spPr/>
         <p:txBody>
           <a:bodyPr/>
           <a:lstStyle/>
@@ -6035,34 +6847,1237 @@
               <a:defRPr/>
             </a:pPr>
             <a:r>
-              <a:rPr lang="ko-KR" altLang="en-US" sz="2500"/>
-              <a:t>정해진 맵에서 목표를 완수하여 탈출해야함</a:t>
-            </a:r>
-            <a:endParaRPr lang="ko-KR" altLang="en-US" sz="2500"/>
-          </a:p>
+              <a:rPr lang="en-US" altLang="ko-KR"/>
+              <a:t>Enemy Animation</a:t>
+            </a:r>
+            <a:r>
+              <a:rPr lang="ko-KR" altLang="en-US"/>
+              <a:t> 동작 방식</a:t>
+            </a:r>
+            <a:endParaRPr lang="ko-KR" altLang="en-US"/>
+          </a:p>
+        </p:txBody>
+      </p:sp>
+      <p:sp>
+        <p:nvSpPr>
+          <p:cNvPr id="17" name=""/>
+          <p:cNvSpPr txBox="1"/>
+          <p:nvPr/>
+        </p:nvSpPr>
+        <p:spPr>
+          <a:xfrm>
+            <a:off x="479298" y="3573018"/>
+            <a:ext cx="1296162" cy="358902"/>
+          </a:xfrm>
+          <a:prstGeom prst="rect">
+            <a:avLst/>
+          </a:prstGeom>
+        </p:spPr>
+        <p:txBody>
+          <a:bodyPr wrap="square">
+            <a:spAutoFit/>
+          </a:bodyPr>
           <a:p>
             <a:pPr>
               <a:defRPr/>
             </a:pPr>
             <a:r>
-              <a:rPr lang="ko-KR" altLang="en-US" sz="2500"/>
-              <a:t>헬리포트까지 이동하여 무전기로 헬기를 부르고 탈출 </a:t>
-            </a:r>
-            <a:r>
-              <a:rPr lang="en-US" altLang="ko-KR" sz="2500"/>
-              <a:t>or </a:t>
-            </a:r>
-            <a:r>
-              <a:rPr lang="ko-KR" altLang="en-US" sz="2500"/>
-              <a:t>연료를 모아 발전기를 가동하여 헬기를 부르고 탈출 등 맵마다 목표 부여</a:t>
-            </a:r>
-            <a:endParaRPr lang="ko-KR" altLang="en-US" sz="2500"/>
-          </a:p>
+              <a:rPr lang="en-US" altLang="ko-KR"/>
+              <a:t>StandIdle</a:t>
+            </a:r>
+            <a:endParaRPr lang="en-US" altLang="ko-KR"/>
+          </a:p>
+        </p:txBody>
+      </p:sp>
+      <p:sp>
+        <p:nvSpPr>
+          <p:cNvPr id="19" name=""/>
+          <p:cNvSpPr/>
+          <p:nvPr/>
+        </p:nvSpPr>
+        <p:spPr>
+          <a:xfrm>
+            <a:off x="2717146" y="2052880"/>
+            <a:ext cx="1165861" cy="358902"/>
+          </a:xfrm>
+          <a:prstGeom prst="rect">
+            <a:avLst/>
+          </a:prstGeom>
+          <a:noFill/>
+          <a:ln>
+            <a:solidFill>
+              <a:schemeClr val="dk1"/>
+            </a:solidFill>
+          </a:ln>
+        </p:spPr>
+        <p:style>
+          <a:lnRef idx="2">
+            <a:schemeClr val="accent1">
+              <a:shade val="20000"/>
+            </a:schemeClr>
+          </a:lnRef>
+          <a:fillRef idx="1">
+            <a:schemeClr val="accent1"/>
+          </a:fillRef>
+          <a:effectRef idx="0">
+            <a:schemeClr val="accent1"/>
+          </a:effectRef>
+          <a:fontRef idx="minor">
+            <a:schemeClr val="lt1"/>
+          </a:fontRef>
+        </p:style>
+        <p:txBody>
+          <a:bodyPr anchor="ctr"/>
+          <a:lstStyle/>
+          <a:p>
+            <a:pPr algn="ctr">
+              <a:defRPr/>
+            </a:pPr>
+            <a:endParaRPr lang="en-US" altLang="ko-KR"/>
+          </a:p>
+        </p:txBody>
+      </p:sp>
+      <p:sp>
+        <p:nvSpPr>
+          <p:cNvPr id="20" name=""/>
+          <p:cNvSpPr txBox="1"/>
+          <p:nvPr/>
+        </p:nvSpPr>
+        <p:spPr>
+          <a:xfrm>
+            <a:off x="2717146" y="2044117"/>
+            <a:ext cx="1165861" cy="367665"/>
+          </a:xfrm>
+          <a:prstGeom prst="rect">
+            <a:avLst/>
+          </a:prstGeom>
+        </p:spPr>
+        <p:txBody>
+          <a:bodyPr wrap="square">
+            <a:spAutoFit/>
+          </a:bodyPr>
+          <a:lstStyle/>
+          <a:p>
+            <a:pPr algn="ctr">
+              <a:defRPr/>
+            </a:pPr>
+            <a:r>
+              <a:rPr lang="en-US" altLang="ko-KR"/>
+              <a:t>Walk</a:t>
+            </a:r>
+            <a:endParaRPr lang="en-US" altLang="ko-KR"/>
+          </a:p>
+        </p:txBody>
+      </p:sp>
+      <p:sp>
+        <p:nvSpPr>
+          <p:cNvPr id="21" name=""/>
+          <p:cNvSpPr/>
+          <p:nvPr/>
+        </p:nvSpPr>
+        <p:spPr>
+          <a:xfrm>
+            <a:off x="2717146" y="5013198"/>
+            <a:ext cx="1165861" cy="358902"/>
+          </a:xfrm>
+          <a:prstGeom prst="rect">
+            <a:avLst/>
+          </a:prstGeom>
+          <a:noFill/>
+          <a:ln>
+            <a:solidFill>
+              <a:schemeClr val="dk1"/>
+            </a:solidFill>
+          </a:ln>
+        </p:spPr>
+        <p:style>
+          <a:lnRef idx="2">
+            <a:schemeClr val="accent1">
+              <a:shade val="20000"/>
+            </a:schemeClr>
+          </a:lnRef>
+          <a:fillRef idx="1">
+            <a:schemeClr val="accent1"/>
+          </a:fillRef>
+          <a:effectRef idx="0">
+            <a:schemeClr val="accent1"/>
+          </a:effectRef>
+          <a:fontRef idx="minor">
+            <a:schemeClr val="lt1"/>
+          </a:fontRef>
+        </p:style>
+        <p:txBody>
+          <a:bodyPr anchor="ctr"/>
+          <a:lstStyle/>
+          <a:p>
+            <a:pPr algn="ctr">
+              <a:defRPr/>
+            </a:pPr>
+            <a:endParaRPr lang="en-US" altLang="ko-KR"/>
+          </a:p>
+        </p:txBody>
+      </p:sp>
+      <p:sp>
+        <p:nvSpPr>
+          <p:cNvPr id="22" name=""/>
+          <p:cNvSpPr txBox="1"/>
+          <p:nvPr/>
+        </p:nvSpPr>
+        <p:spPr>
+          <a:xfrm>
+            <a:off x="2717146" y="5013198"/>
+            <a:ext cx="1165861" cy="367665"/>
+          </a:xfrm>
+          <a:prstGeom prst="rect">
+            <a:avLst/>
+          </a:prstGeom>
+        </p:spPr>
+        <p:txBody>
+          <a:bodyPr wrap="square">
+            <a:spAutoFit/>
+          </a:bodyPr>
+          <a:lstStyle/>
+          <a:p>
+            <a:pPr algn="ctr">
+              <a:defRPr/>
+            </a:pPr>
+            <a:r>
+              <a:rPr lang="en-US" altLang="ko-KR"/>
+              <a:t>Run</a:t>
+            </a:r>
+            <a:endParaRPr lang="en-US" altLang="ko-KR"/>
+          </a:p>
+        </p:txBody>
+      </p:sp>
+      <p:sp>
+        <p:nvSpPr>
+          <p:cNvPr id="23" name=""/>
+          <p:cNvSpPr/>
+          <p:nvPr/>
+        </p:nvSpPr>
+        <p:spPr>
+          <a:xfrm>
+            <a:off x="5297042" y="2052880"/>
+            <a:ext cx="1597915" cy="358902"/>
+          </a:xfrm>
+          <a:prstGeom prst="rect">
+            <a:avLst/>
+          </a:prstGeom>
+          <a:noFill/>
+          <a:ln>
+            <a:solidFill>
+              <a:schemeClr val="dk1"/>
+            </a:solidFill>
+          </a:ln>
+        </p:spPr>
+        <p:style>
+          <a:lnRef idx="2">
+            <a:schemeClr val="accent1">
+              <a:shade val="20000"/>
+            </a:schemeClr>
+          </a:lnRef>
+          <a:fillRef idx="1">
+            <a:schemeClr val="accent1"/>
+          </a:fillRef>
+          <a:effectRef idx="0">
+            <a:schemeClr val="accent1"/>
+          </a:effectRef>
+          <a:fontRef idx="minor">
+            <a:schemeClr val="lt1"/>
+          </a:fontRef>
+        </p:style>
+        <p:txBody>
+          <a:bodyPr anchor="ctr"/>
+          <a:lstStyle/>
+          <a:p>
+            <a:pPr algn="ctr">
+              <a:defRPr/>
+            </a:pPr>
+            <a:endParaRPr lang="en-US" altLang="ko-KR"/>
+          </a:p>
+        </p:txBody>
+      </p:sp>
+      <p:sp>
+        <p:nvSpPr>
+          <p:cNvPr id="24" name=""/>
+          <p:cNvSpPr txBox="1"/>
+          <p:nvPr/>
+        </p:nvSpPr>
+        <p:spPr>
+          <a:xfrm>
+            <a:off x="5297042" y="2052880"/>
+            <a:ext cx="1856805" cy="365813"/>
+          </a:xfrm>
+          <a:prstGeom prst="rect">
+            <a:avLst/>
+          </a:prstGeom>
+        </p:spPr>
+        <p:txBody>
+          <a:bodyPr wrap="square">
+            <a:spAutoFit/>
+          </a:bodyPr>
+          <a:lstStyle/>
           <a:p>
             <a:pPr>
               <a:defRPr/>
             </a:pPr>
-            <a:endParaRPr lang="ko-KR" altLang="en-US" sz="2500"/>
+            <a:r>
+              <a:rPr lang="en-US" altLang="ko-KR"/>
+              <a:t>DeadForward</a:t>
+            </a:r>
+            <a:endParaRPr lang="en-US" altLang="ko-KR"/>
+          </a:p>
+        </p:txBody>
+      </p:sp>
+      <p:sp>
+        <p:nvSpPr>
+          <p:cNvPr id="25" name=""/>
+          <p:cNvSpPr/>
+          <p:nvPr/>
+        </p:nvSpPr>
+        <p:spPr>
+          <a:xfrm>
+            <a:off x="5411914" y="5004487"/>
+            <a:ext cx="1368171" cy="358902"/>
+          </a:xfrm>
+          <a:prstGeom prst="rect">
+            <a:avLst/>
+          </a:prstGeom>
+          <a:noFill/>
+          <a:ln>
+            <a:solidFill>
+              <a:schemeClr val="dk1"/>
+            </a:solidFill>
+          </a:ln>
+        </p:spPr>
+        <p:style>
+          <a:lnRef idx="2">
+            <a:schemeClr val="accent1">
+              <a:shade val="20000"/>
+            </a:schemeClr>
+          </a:lnRef>
+          <a:fillRef idx="1">
+            <a:schemeClr val="accent1"/>
+          </a:fillRef>
+          <a:effectRef idx="0">
+            <a:schemeClr val="accent1"/>
+          </a:effectRef>
+          <a:fontRef idx="minor">
+            <a:schemeClr val="lt1"/>
+          </a:fontRef>
+        </p:style>
+        <p:txBody>
+          <a:bodyPr anchor="ctr"/>
+          <a:lstStyle/>
+          <a:p>
+            <a:pPr algn="ctr">
+              <a:defRPr/>
+            </a:pPr>
+            <a:endParaRPr lang="en-US" altLang="ko-KR"/>
+          </a:p>
+        </p:txBody>
+      </p:sp>
+      <p:sp>
+        <p:nvSpPr>
+          <p:cNvPr id="26" name=""/>
+          <p:cNvSpPr txBox="1"/>
+          <p:nvPr/>
+        </p:nvSpPr>
+        <p:spPr>
+          <a:xfrm>
+            <a:off x="5411914" y="5004487"/>
+            <a:ext cx="1368171" cy="367613"/>
+          </a:xfrm>
+          <a:prstGeom prst="rect">
+            <a:avLst/>
+          </a:prstGeom>
+        </p:spPr>
+        <p:txBody>
+          <a:bodyPr wrap="square">
+            <a:spAutoFit/>
+          </a:bodyPr>
+          <a:lstStyle/>
+          <a:p>
+            <a:pPr algn="ctr">
+              <a:defRPr/>
+            </a:pPr>
+            <a:r>
+              <a:rPr lang="en-US" altLang="ko-KR"/>
+              <a:t>DeadBack</a:t>
+            </a:r>
+            <a:endParaRPr lang="en-US" altLang="ko-KR"/>
+          </a:p>
+        </p:txBody>
+      </p:sp>
+      <p:sp>
+        <p:nvSpPr>
+          <p:cNvPr id="27" name=""/>
+          <p:cNvSpPr/>
+          <p:nvPr/>
+        </p:nvSpPr>
+        <p:spPr>
+          <a:xfrm>
+            <a:off x="5513069" y="3573018"/>
+            <a:ext cx="1165861" cy="358902"/>
+          </a:xfrm>
+          <a:prstGeom prst="rect">
+            <a:avLst/>
+          </a:prstGeom>
+          <a:noFill/>
+          <a:ln>
+            <a:solidFill>
+              <a:schemeClr val="dk1"/>
+            </a:solidFill>
+          </a:ln>
+        </p:spPr>
+        <p:style>
+          <a:lnRef idx="2">
+            <a:schemeClr val="accent1">
+              <a:shade val="20000"/>
+            </a:schemeClr>
+          </a:lnRef>
+          <a:fillRef idx="1">
+            <a:schemeClr val="accent1"/>
+          </a:fillRef>
+          <a:effectRef idx="0">
+            <a:schemeClr val="accent1"/>
+          </a:effectRef>
+          <a:fontRef idx="minor">
+            <a:schemeClr val="lt1"/>
+          </a:fontRef>
+        </p:style>
+        <p:txBody>
+          <a:bodyPr anchor="ctr"/>
+          <a:lstStyle/>
+          <a:p>
+            <a:pPr algn="ctr">
+              <a:defRPr/>
+            </a:pPr>
+            <a:endParaRPr lang="en-US" altLang="ko-KR"/>
+          </a:p>
+        </p:txBody>
+      </p:sp>
+      <p:sp>
+        <p:nvSpPr>
+          <p:cNvPr id="28" name=""/>
+          <p:cNvSpPr txBox="1"/>
+          <p:nvPr/>
+        </p:nvSpPr>
+        <p:spPr>
+          <a:xfrm>
+            <a:off x="5523785" y="3573018"/>
+            <a:ext cx="1144429" cy="367665"/>
+          </a:xfrm>
+          <a:prstGeom prst="rect">
+            <a:avLst/>
+          </a:prstGeom>
+        </p:spPr>
+        <p:txBody>
+          <a:bodyPr wrap="square">
+            <a:spAutoFit/>
+          </a:bodyPr>
+          <a:lstStyle/>
+          <a:p>
+            <a:pPr algn="ctr">
+              <a:defRPr/>
+            </a:pPr>
+            <a:r>
+              <a:rPr lang="en-US" altLang="ko-KR">
+                <a:solidFill>
+                  <a:srgbClr val="ff6600"/>
+                </a:solidFill>
+              </a:rPr>
+              <a:t>Attack</a:t>
+            </a:r>
+            <a:endParaRPr lang="en-US" altLang="ko-KR">
+              <a:solidFill>
+                <a:srgbClr val="ff6600"/>
+              </a:solidFill>
+            </a:endParaRPr>
+          </a:p>
+        </p:txBody>
+      </p:sp>
+      <p:sp>
+        <p:nvSpPr>
+          <p:cNvPr id="29" name=""/>
+          <p:cNvSpPr txBox="1"/>
+          <p:nvPr/>
+        </p:nvSpPr>
+        <p:spPr>
+          <a:xfrm>
+            <a:off x="183546" y="3942887"/>
+            <a:ext cx="1887665" cy="361229"/>
+          </a:xfrm>
+          <a:prstGeom prst="rect">
+            <a:avLst/>
+          </a:prstGeom>
+        </p:spPr>
+        <p:txBody>
+          <a:bodyPr wrap="none">
+            <a:spAutoFit/>
+          </a:bodyPr>
+          <a:p>
+            <a:pPr>
+              <a:defRPr/>
+            </a:pPr>
+            <a:r>
+              <a:rPr lang="ko-KR" altLang="en-US">
+                <a:solidFill>
+                  <a:srgbClr val="808080"/>
+                </a:solidFill>
+              </a:rPr>
+              <a:t>기본 서있는 상태</a:t>
+            </a:r>
+            <a:endParaRPr lang="ko-KR" altLang="en-US">
+              <a:solidFill>
+                <a:srgbClr val="808080"/>
+              </a:solidFill>
+            </a:endParaRPr>
+          </a:p>
+        </p:txBody>
+      </p:sp>
+      <p:cxnSp>
+        <p:nvCxnSpPr>
+          <p:cNvPr id="30" name=""/>
+          <p:cNvCxnSpPr>
+            <a:stCxn id="17" idx="0"/>
+          </p:cNvCxnSpPr>
+          <p:nvPr/>
+        </p:nvCxnSpPr>
+        <p:spPr>
+          <a:xfrm flipV="1">
+            <a:off x="1127379" y="2418693"/>
+            <a:ext cx="1589767" cy="1154325"/>
+          </a:xfrm>
+          <a:prstGeom prst="straightConnector1">
+            <a:avLst/>
+          </a:prstGeom>
+          <a:ln>
+            <a:tailEnd type="arrow"/>
+          </a:ln>
+        </p:spPr>
+        <p:style>
+          <a:lnRef idx="1">
+            <a:schemeClr val="accent1"/>
+          </a:lnRef>
+          <a:fillRef idx="0">
+            <a:schemeClr val="accent1"/>
+          </a:fillRef>
+          <a:effectRef idx="0">
+            <a:schemeClr val="accent1"/>
+          </a:effectRef>
+          <a:fontRef idx="minor">
+            <a:schemeClr val="tx1"/>
+          </a:fontRef>
+        </p:style>
+      </p:cxnSp>
+      <p:cxnSp>
+        <p:nvCxnSpPr>
+          <p:cNvPr id="31" name=""/>
+          <p:cNvCxnSpPr>
+            <a:stCxn id="29" idx="0"/>
+          </p:cNvCxnSpPr>
+          <p:nvPr/>
+        </p:nvCxnSpPr>
+        <p:spPr>
+          <a:xfrm>
+            <a:off x="1127379" y="3942887"/>
+            <a:ext cx="1589767" cy="1061600"/>
+          </a:xfrm>
+          <a:prstGeom prst="straightConnector1">
+            <a:avLst/>
+          </a:prstGeom>
+          <a:ln>
+            <a:tailEnd type="arrow"/>
+          </a:ln>
+        </p:spPr>
+        <p:style>
+          <a:lnRef idx="1">
+            <a:schemeClr val="accent1"/>
+          </a:lnRef>
+          <a:fillRef idx="0">
+            <a:schemeClr val="accent1"/>
+          </a:fillRef>
+          <a:effectRef idx="0">
+            <a:schemeClr val="accent1"/>
+          </a:effectRef>
+          <a:fontRef idx="minor">
+            <a:schemeClr val="tx1"/>
+          </a:fontRef>
+        </p:style>
+      </p:cxnSp>
+      <p:sp>
+        <p:nvSpPr>
+          <p:cNvPr id="33" name=""/>
+          <p:cNvSpPr txBox="1"/>
+          <p:nvPr/>
+        </p:nvSpPr>
+        <p:spPr>
+          <a:xfrm>
+            <a:off x="2239266" y="1412451"/>
+            <a:ext cx="2122910" cy="643044"/>
+          </a:xfrm>
+          <a:prstGeom prst="rect">
+            <a:avLst/>
+          </a:prstGeom>
+        </p:spPr>
+        <p:txBody>
+          <a:bodyPr wrap="none">
+            <a:spAutoFit/>
+          </a:bodyPr>
+          <a:lstStyle/>
+          <a:p>
+            <a:pPr algn="ctr">
+              <a:defRPr/>
+            </a:pPr>
+            <a:r>
+              <a:rPr lang="en-US" altLang="ko-KR">
+                <a:solidFill>
+                  <a:srgbClr val="808080"/>
+                </a:solidFill>
+              </a:rPr>
+              <a:t>Target</a:t>
+            </a:r>
+            <a:r>
+              <a:rPr lang="ko-KR" altLang="en-US">
+                <a:solidFill>
+                  <a:srgbClr val="808080"/>
+                </a:solidFill>
+              </a:rPr>
+              <a:t>을 발견했고</a:t>
+            </a:r>
+            <a:r>
+              <a:rPr lang="en-US" altLang="ko-KR">
+                <a:solidFill>
+                  <a:srgbClr val="808080"/>
+                </a:solidFill>
+              </a:rPr>
+              <a:t>,</a:t>
+            </a:r>
+            <a:br>
+              <a:rPr lang="ko-KR" altLang="en-US">
+                <a:solidFill>
+                  <a:srgbClr val="808080"/>
+                </a:solidFill>
+              </a:rPr>
+            </a:br>
+            <a:r>
+              <a:rPr lang="en-US" altLang="ko-KR">
+                <a:solidFill>
+                  <a:srgbClr val="808080"/>
+                </a:solidFill>
+              </a:rPr>
+              <a:t>IsRun</a:t>
+            </a:r>
+            <a:r>
+              <a:rPr lang="ko-KR" altLang="en-US">
+                <a:solidFill>
+                  <a:srgbClr val="808080"/>
+                </a:solidFill>
+              </a:rPr>
+              <a:t>이</a:t>
+            </a:r>
+            <a:r>
+              <a:rPr lang="en-US" altLang="ko-KR">
+                <a:solidFill>
+                  <a:srgbClr val="808080"/>
+                </a:solidFill>
+              </a:rPr>
+              <a:t> False</a:t>
+            </a:r>
+            <a:r>
+              <a:rPr lang="ko-KR" altLang="en-US">
+                <a:solidFill>
+                  <a:srgbClr val="808080"/>
+                </a:solidFill>
+              </a:rPr>
+              <a:t>일때</a:t>
+            </a:r>
+            <a:endParaRPr lang="ko-KR" altLang="en-US">
+              <a:solidFill>
+                <a:srgbClr val="808080"/>
+              </a:solidFill>
+            </a:endParaRPr>
+          </a:p>
+        </p:txBody>
+      </p:sp>
+      <p:sp>
+        <p:nvSpPr>
+          <p:cNvPr id="34" name=""/>
+          <p:cNvSpPr txBox="1"/>
+          <p:nvPr/>
+        </p:nvSpPr>
+        <p:spPr>
+          <a:xfrm>
+            <a:off x="2237978" y="5380863"/>
+            <a:ext cx="2124198" cy="641190"/>
+          </a:xfrm>
+          <a:prstGeom prst="rect">
+            <a:avLst/>
+          </a:prstGeom>
+        </p:spPr>
+        <p:txBody>
+          <a:bodyPr wrap="none">
+            <a:spAutoFit/>
+          </a:bodyPr>
+          <a:lstStyle/>
+          <a:p>
+            <a:pPr algn="ctr">
+              <a:defRPr/>
+            </a:pPr>
+            <a:r>
+              <a:rPr lang="en-US" altLang="ko-KR">
+                <a:solidFill>
+                  <a:srgbClr val="808080"/>
+                </a:solidFill>
+              </a:rPr>
+              <a:t>Target</a:t>
+            </a:r>
+            <a:r>
+              <a:rPr lang="ko-KR" altLang="en-US">
+                <a:solidFill>
+                  <a:srgbClr val="808080"/>
+                </a:solidFill>
+              </a:rPr>
+              <a:t>을 발견했고</a:t>
+            </a:r>
+            <a:r>
+              <a:rPr lang="en-US" altLang="ko-KR">
+                <a:solidFill>
+                  <a:srgbClr val="808080"/>
+                </a:solidFill>
+              </a:rPr>
+              <a:t>,</a:t>
+            </a:r>
+            <a:br>
+              <a:rPr lang="ko-KR" altLang="en-US">
+                <a:solidFill>
+                  <a:srgbClr val="808080"/>
+                </a:solidFill>
+              </a:rPr>
+            </a:br>
+            <a:r>
+              <a:rPr lang="en-US" altLang="ko-KR">
+                <a:solidFill>
+                  <a:srgbClr val="808080"/>
+                </a:solidFill>
+              </a:rPr>
+              <a:t>IsRun</a:t>
+            </a:r>
+            <a:r>
+              <a:rPr lang="ko-KR" altLang="en-US">
+                <a:solidFill>
+                  <a:srgbClr val="808080"/>
+                </a:solidFill>
+              </a:rPr>
+              <a:t>이</a:t>
+            </a:r>
+            <a:r>
+              <a:rPr lang="en-US" altLang="ko-KR">
+                <a:solidFill>
+                  <a:srgbClr val="808080"/>
+                </a:solidFill>
+              </a:rPr>
+              <a:t> True</a:t>
+            </a:r>
+            <a:r>
+              <a:rPr lang="ko-KR" altLang="en-US">
+                <a:solidFill>
+                  <a:srgbClr val="808080"/>
+                </a:solidFill>
+              </a:rPr>
+              <a:t>일때</a:t>
+            </a:r>
+            <a:endParaRPr lang="ko-KR" altLang="en-US">
+              <a:solidFill>
+                <a:srgbClr val="808080"/>
+              </a:solidFill>
+            </a:endParaRPr>
+          </a:p>
+        </p:txBody>
+      </p:sp>
+      <p:cxnSp>
+        <p:nvCxnSpPr>
+          <p:cNvPr id="35" name=""/>
+          <p:cNvCxnSpPr>
+            <a:stCxn id="20" idx="3"/>
+            <a:endCxn id="24" idx="1"/>
+          </p:cNvCxnSpPr>
+          <p:nvPr/>
+        </p:nvCxnSpPr>
+        <p:spPr>
+          <a:xfrm>
+            <a:off x="3883007" y="2227949"/>
+            <a:ext cx="1414035" cy="7837"/>
+          </a:xfrm>
+          <a:prstGeom prst="straightConnector1">
+            <a:avLst/>
+          </a:prstGeom>
+          <a:ln>
+            <a:tailEnd type="arrow"/>
+          </a:ln>
+        </p:spPr>
+        <p:style>
+          <a:lnRef idx="1">
+            <a:schemeClr val="accent1"/>
+          </a:lnRef>
+          <a:fillRef idx="0">
+            <a:schemeClr val="accent1"/>
+          </a:fillRef>
+          <a:effectRef idx="0">
+            <a:schemeClr val="accent1"/>
+          </a:effectRef>
+          <a:fontRef idx="minor">
+            <a:schemeClr val="tx1"/>
+          </a:fontRef>
+        </p:style>
+      </p:cxnSp>
+      <p:cxnSp>
+        <p:nvCxnSpPr>
+          <p:cNvPr id="38" name=""/>
+          <p:cNvCxnSpPr/>
+          <p:nvPr/>
+        </p:nvCxnSpPr>
+        <p:spPr>
+          <a:xfrm>
+            <a:off x="3883007" y="2411782"/>
+            <a:ext cx="1630062" cy="1161236"/>
+          </a:xfrm>
+          <a:prstGeom prst="straightConnector1">
+            <a:avLst/>
+          </a:prstGeom>
+          <a:ln>
+            <a:headEnd type="arrow"/>
+            <a:tailEnd type="arrow"/>
+          </a:ln>
+        </p:spPr>
+        <p:style>
+          <a:lnRef idx="1">
+            <a:schemeClr val="accent1"/>
+          </a:lnRef>
+          <a:fillRef idx="0">
+            <a:schemeClr val="accent1"/>
+          </a:fillRef>
+          <a:effectRef idx="0">
+            <a:schemeClr val="accent1"/>
+          </a:effectRef>
+          <a:fontRef idx="minor">
+            <a:schemeClr val="tx1"/>
+          </a:fontRef>
+        </p:style>
+      </p:cxnSp>
+      <p:cxnSp>
+        <p:nvCxnSpPr>
+          <p:cNvPr id="39" name=""/>
+          <p:cNvCxnSpPr/>
+          <p:nvPr/>
+        </p:nvCxnSpPr>
+        <p:spPr>
+          <a:xfrm rot="10800000" flipV="1">
+            <a:off x="3883007" y="3942887"/>
+            <a:ext cx="1630063" cy="1061600"/>
+          </a:xfrm>
+          <a:prstGeom prst="straightConnector1">
+            <a:avLst/>
+          </a:prstGeom>
+          <a:ln>
+            <a:headEnd type="arrow"/>
+            <a:tailEnd type="arrow"/>
+          </a:ln>
+        </p:spPr>
+        <p:style>
+          <a:lnRef idx="1">
+            <a:schemeClr val="accent1"/>
+          </a:lnRef>
+          <a:fillRef idx="0">
+            <a:schemeClr val="accent1"/>
+          </a:fillRef>
+          <a:effectRef idx="0">
+            <a:schemeClr val="accent1"/>
+          </a:effectRef>
+          <a:fontRef idx="minor">
+            <a:schemeClr val="tx1"/>
+          </a:fontRef>
+        </p:style>
+      </p:cxnSp>
+      <p:cxnSp>
+        <p:nvCxnSpPr>
+          <p:cNvPr id="40" name=""/>
+          <p:cNvCxnSpPr>
+            <a:stCxn id="22" idx="3"/>
+            <a:endCxn id="26" idx="1"/>
+          </p:cNvCxnSpPr>
+          <p:nvPr/>
+        </p:nvCxnSpPr>
+        <p:spPr>
+          <a:xfrm flipV="1">
+            <a:off x="3883007" y="5188293"/>
+            <a:ext cx="1528907" cy="8737"/>
+          </a:xfrm>
+          <a:prstGeom prst="straightConnector1">
+            <a:avLst/>
+          </a:prstGeom>
+          <a:ln>
+            <a:tailEnd type="arrow"/>
+          </a:ln>
+        </p:spPr>
+        <p:style>
+          <a:lnRef idx="1">
+            <a:schemeClr val="accent1"/>
+          </a:lnRef>
+          <a:fillRef idx="0">
+            <a:schemeClr val="accent1"/>
+          </a:fillRef>
+          <a:effectRef idx="0">
+            <a:schemeClr val="accent1"/>
+          </a:effectRef>
+          <a:fontRef idx="minor">
+            <a:schemeClr val="tx1"/>
+          </a:fontRef>
+        </p:style>
+      </p:cxnSp>
+      <p:cxnSp>
+        <p:nvCxnSpPr>
+          <p:cNvPr id="41" name=""/>
+          <p:cNvCxnSpPr>
+            <a:stCxn id="28" idx="2"/>
+            <a:endCxn id="26" idx="0"/>
+          </p:cNvCxnSpPr>
+          <p:nvPr/>
+        </p:nvCxnSpPr>
+        <p:spPr>
+          <a:xfrm rot="16200000" flipH="1">
+            <a:off x="5564098" y="4472585"/>
+            <a:ext cx="1063804" cy="0"/>
+          </a:xfrm>
+          <a:prstGeom prst="straightConnector1">
+            <a:avLst/>
+          </a:prstGeom>
+          <a:ln>
+            <a:tailEnd type="arrow"/>
+          </a:ln>
+        </p:spPr>
+        <p:style>
+          <a:lnRef idx="1">
+            <a:schemeClr val="accent1"/>
+          </a:lnRef>
+          <a:fillRef idx="0">
+            <a:schemeClr val="accent1"/>
+          </a:fillRef>
+          <a:effectRef idx="0">
+            <a:schemeClr val="accent1"/>
+          </a:effectRef>
+          <a:fontRef idx="minor">
+            <a:schemeClr val="tx1"/>
+          </a:fontRef>
+        </p:style>
+      </p:cxnSp>
+      <p:sp>
+        <p:nvSpPr>
+          <p:cNvPr id="43" name=""/>
+          <p:cNvSpPr txBox="1"/>
+          <p:nvPr/>
+        </p:nvSpPr>
+        <p:spPr>
+          <a:xfrm>
+            <a:off x="4880610" y="1684970"/>
+            <a:ext cx="2430780" cy="361000"/>
+          </a:xfrm>
+          <a:prstGeom prst="rect">
+            <a:avLst/>
+          </a:prstGeom>
+        </p:spPr>
+        <p:txBody>
+          <a:bodyPr wrap="none">
+            <a:spAutoFit/>
+          </a:bodyPr>
+          <a:lstStyle/>
+          <a:p>
+            <a:pPr algn="ctr">
+              <a:defRPr/>
+            </a:pPr>
+            <a:r>
+              <a:rPr lang="ko-KR" altLang="en-US">
+                <a:solidFill>
+                  <a:srgbClr val="808080"/>
+                </a:solidFill>
+              </a:rPr>
+              <a:t>앞으로 넘어지며</a:t>
+            </a:r>
+            <a:r>
+              <a:rPr lang="en-US" altLang="ko-KR">
+                <a:solidFill>
+                  <a:srgbClr val="808080"/>
+                </a:solidFill>
+              </a:rPr>
+              <a:t> Dead</a:t>
+            </a:r>
+            <a:endParaRPr lang="en-US" altLang="ko-KR">
+              <a:solidFill>
+                <a:srgbClr val="808080"/>
+              </a:solidFill>
+            </a:endParaRPr>
+          </a:p>
+        </p:txBody>
+      </p:sp>
+      <p:sp>
+        <p:nvSpPr>
+          <p:cNvPr id="44" name=""/>
+          <p:cNvSpPr txBox="1"/>
+          <p:nvPr/>
+        </p:nvSpPr>
+        <p:spPr>
+          <a:xfrm>
+            <a:off x="4985385" y="5340458"/>
+            <a:ext cx="2211705" cy="363112"/>
+          </a:xfrm>
+          <a:prstGeom prst="rect">
+            <a:avLst/>
+          </a:prstGeom>
+        </p:spPr>
+        <p:txBody>
+          <a:bodyPr wrap="none">
+            <a:spAutoFit/>
+          </a:bodyPr>
+          <a:lstStyle/>
+          <a:p>
+            <a:pPr algn="ctr">
+              <a:defRPr/>
+            </a:pPr>
+            <a:r>
+              <a:rPr lang="ko-KR" altLang="en-US">
+                <a:solidFill>
+                  <a:srgbClr val="808080"/>
+                </a:solidFill>
+              </a:rPr>
+              <a:t>뒤로 넘어지며</a:t>
+            </a:r>
+            <a:r>
+              <a:rPr lang="en-US" altLang="ko-KR">
+                <a:solidFill>
+                  <a:srgbClr val="808080"/>
+                </a:solidFill>
+              </a:rPr>
+              <a:t> Dead</a:t>
+            </a:r>
+            <a:endParaRPr lang="en-US" altLang="ko-KR">
+              <a:solidFill>
+                <a:srgbClr val="808080"/>
+              </a:solidFill>
+            </a:endParaRPr>
+          </a:p>
+        </p:txBody>
+      </p:sp>
+      <p:sp>
+        <p:nvSpPr>
+          <p:cNvPr id="45" name=""/>
+          <p:cNvSpPr txBox="1"/>
+          <p:nvPr/>
+        </p:nvSpPr>
+        <p:spPr>
+          <a:xfrm>
+            <a:off x="6780085" y="2752915"/>
+            <a:ext cx="5004628" cy="2007870"/>
+          </a:xfrm>
+          <a:prstGeom prst="rect">
+            <a:avLst/>
+          </a:prstGeom>
+        </p:spPr>
+        <p:txBody>
+          <a:bodyPr wrap="square">
+            <a:spAutoFit/>
+          </a:bodyPr>
+          <a:lstStyle/>
+          <a:p>
+            <a:pPr>
+              <a:defRPr/>
+            </a:pPr>
+            <a:r>
+              <a:rPr lang="ko-KR" altLang="en-US">
+                <a:solidFill>
+                  <a:srgbClr val="ff6600"/>
+                </a:solidFill>
+              </a:rPr>
+              <a:t>전방으로 </a:t>
+            </a:r>
+            <a:r>
+              <a:rPr lang="en-US" altLang="ko-KR">
+                <a:solidFill>
+                  <a:srgbClr val="ff6600"/>
+                </a:solidFill>
+              </a:rPr>
+              <a:t>1f </a:t>
+            </a:r>
+            <a:r>
+              <a:rPr lang="ko-KR" altLang="en-US">
+                <a:solidFill>
+                  <a:srgbClr val="ff6600"/>
+                </a:solidFill>
+              </a:rPr>
+              <a:t>길이의</a:t>
+            </a:r>
+            <a:r>
+              <a:rPr lang="en-US" altLang="ko-KR">
+                <a:solidFill>
+                  <a:srgbClr val="ff6600"/>
+                </a:solidFill>
+              </a:rPr>
+              <a:t> Raycast</a:t>
+            </a:r>
+            <a:r>
+              <a:rPr lang="ko-KR" altLang="en-US">
+                <a:solidFill>
+                  <a:srgbClr val="ff6600"/>
+                </a:solidFill>
+              </a:rPr>
+              <a:t>를 생성</a:t>
+            </a:r>
+            <a:br>
+              <a:rPr lang="ko-KR" altLang="en-US">
+                <a:solidFill>
+                  <a:srgbClr val="ff6600"/>
+                </a:solidFill>
+              </a:rPr>
+            </a:br>
+            <a:r>
+              <a:rPr lang="ko-KR" altLang="en-US">
+                <a:solidFill>
+                  <a:srgbClr val="ff6600"/>
+                </a:solidFill>
+              </a:rPr>
+              <a:t>해당 </a:t>
+            </a:r>
+            <a:r>
+              <a:rPr lang="en-US" altLang="ko-KR">
+                <a:solidFill>
+                  <a:srgbClr val="ff6600"/>
+                </a:solidFill>
+              </a:rPr>
+              <a:t>Raycast</a:t>
+            </a:r>
+            <a:r>
+              <a:rPr lang="ko-KR" altLang="en-US">
+                <a:solidFill>
+                  <a:srgbClr val="ff6600"/>
+                </a:solidFill>
+              </a:rPr>
+              <a:t>에 </a:t>
+            </a:r>
+            <a:r>
+              <a:rPr lang="en-US" altLang="ko-KR">
+                <a:solidFill>
+                  <a:srgbClr val="ff6600"/>
+                </a:solidFill>
+              </a:rPr>
+              <a:t>Player</a:t>
+            </a:r>
+            <a:r>
+              <a:rPr lang="ko-KR" altLang="en-US">
+                <a:solidFill>
+                  <a:srgbClr val="ff6600"/>
+                </a:solidFill>
+              </a:rPr>
+              <a:t>가 감지되면 </a:t>
+            </a:r>
+            <a:r>
+              <a:rPr lang="en-US" altLang="ko-KR">
+                <a:solidFill>
+                  <a:srgbClr val="ff6600"/>
+                </a:solidFill>
+              </a:rPr>
+              <a:t>Attack </a:t>
+            </a:r>
+            <a:r>
+              <a:rPr lang="ko-KR" altLang="en-US">
+                <a:solidFill>
+                  <a:srgbClr val="ff6600"/>
+                </a:solidFill>
+              </a:rPr>
+              <a:t>실행</a:t>
+            </a:r>
+            <a:br>
+              <a:rPr lang="ko-KR" altLang="en-US">
+                <a:solidFill>
+                  <a:srgbClr val="ff6600"/>
+                </a:solidFill>
+              </a:rPr>
+            </a:br>
+            <a:br>
+              <a:rPr lang="ko-KR" altLang="en-US">
+                <a:solidFill>
+                  <a:srgbClr val="ff6600"/>
+                </a:solidFill>
+              </a:rPr>
+            </a:br>
+            <a:r>
+              <a:rPr lang="en-US" altLang="ko-KR">
+                <a:solidFill>
+                  <a:srgbClr val="ff6600"/>
+                </a:solidFill>
+              </a:rPr>
+              <a:t>Attack </a:t>
+            </a:r>
+            <a:r>
+              <a:rPr lang="ko-KR" altLang="en-US">
+                <a:solidFill>
+                  <a:srgbClr val="ff6600"/>
+                </a:solidFill>
+              </a:rPr>
+              <a:t>애니메이션의</a:t>
+            </a:r>
+            <a:r>
+              <a:rPr lang="en-US" altLang="ko-KR">
+                <a:solidFill>
+                  <a:srgbClr val="ff6600"/>
+                </a:solidFill>
+              </a:rPr>
+              <a:t> 0.8 </a:t>
+            </a:r>
+            <a:r>
+              <a:rPr lang="ko-KR" altLang="en-US">
+                <a:solidFill>
+                  <a:srgbClr val="ff6600"/>
+                </a:solidFill>
+              </a:rPr>
+              <a:t>프레임에 </a:t>
+            </a:r>
+            <a:r>
+              <a:rPr lang="en-US" altLang="ko-KR">
+                <a:solidFill>
+                  <a:srgbClr val="ff6600"/>
+                </a:solidFill>
+              </a:rPr>
+              <a:t>Add Event</a:t>
+            </a:r>
+            <a:r>
+              <a:rPr lang="ko-KR" altLang="en-US">
+                <a:solidFill>
+                  <a:srgbClr val="ff6600"/>
+                </a:solidFill>
+              </a:rPr>
+              <a:t>로 </a:t>
+            </a:r>
+            <a:r>
+              <a:rPr lang="en-US" altLang="ko-KR">
+                <a:solidFill>
+                  <a:srgbClr val="ff6600"/>
+                </a:solidFill>
+              </a:rPr>
+              <a:t>TakeDamageToPlayer()</a:t>
+            </a:r>
+            <a:r>
+              <a:rPr lang="ko-KR" altLang="en-US">
+                <a:solidFill>
+                  <a:srgbClr val="ff6600"/>
+                </a:solidFill>
+              </a:rPr>
+              <a:t> 메서드를 추가하여 해당 애니메이션이 실행될때마다 일정 구간에서 플레이어에게 피해를 입힘</a:t>
+            </a:r>
+            <a:endParaRPr lang="ko-KR" altLang="en-US">
+              <a:solidFill>
+                <a:srgbClr val="ff6600"/>
+              </a:solidFill>
+            </a:endParaRPr>
           </a:p>
         </p:txBody>
       </p:sp>

--- a/문서/NoWayOutofHell 게임 기획서.pptx
+++ b/문서/NoWayOutofHell 게임 기획서.pptx
@@ -2,7 +2,7 @@
 <file path=ppt/presentation.xml><?xml version="1.0" encoding="utf-8"?>
 <p:presentation xmlns:r="http://schemas.openxmlformats.org/officeDocument/2006/relationships" xmlns:c="http://schemas.openxmlformats.org/drawingml/2006/chart" xmlns:a="http://schemas.openxmlformats.org/drawingml/2006/main" xmlns:dgm="http://schemas.openxmlformats.org/drawingml/2006/diagram" xmlns:dsp="http://schemas.microsoft.com/office/drawing/2008/diagram" xmlns:p="http://schemas.openxmlformats.org/presentationml/2006/main" saveSubsetFonts="1">
   <p:sldMasterIdLst>
-    <p:sldMasterId id="2147483721" r:id="rId1"/>
+    <p:sldMasterId id="2147483728" r:id="rId1"/>
   </p:sldMasterIdLst>
   <p:sldIdLst>
     <p:sldId id="256" r:id="rId2"/>
@@ -19,6 +19,8 @@
     <p:sldId id="267" r:id="rId13"/>
     <p:sldId id="268" r:id="rId14"/>
     <p:sldId id="269" r:id="rId15"/>
+    <p:sldId id="270" r:id="rId16"/>
+    <p:sldId id="271" r:id="rId17"/>
   </p:sldIdLst>
   <p:sldSz cx="12192000" cy="6858000"/>
   <p:notesSz cx="6858000" cy="9144000"/>
@@ -3324,297 +3326,216 @@
             </a:pPr>
             <a:r>
               <a:rPr lang="ko-KR" altLang="en-US"/>
-              <a:t>게임 특징</a:t>
-            </a:r>
-            <a:endParaRPr lang="ko-KR" altLang="en-US"/>
-          </a:p>
-        </p:txBody>
-      </p:sp>
-      <p:sp>
-        <p:nvSpPr>
-          <p:cNvPr id="4" name="내용 개체 틀 2"/>
-          <p:cNvSpPr/>
+              <a:t>아이템 설계</a:t>
+            </a:r>
+            <a:endParaRPr lang="ko-KR" altLang="en-US"/>
+          </a:p>
+        </p:txBody>
+      </p:sp>
+      <p:sp>
+        <p:nvSpPr>
+          <p:cNvPr id="4" name=""/>
+          <p:cNvSpPr txBox="1"/>
           <p:nvPr/>
         </p:nvSpPr>
         <p:spPr>
           <a:xfrm>
-            <a:off x="551307" y="1567370"/>
-            <a:ext cx="10972798" cy="4525963"/>
+            <a:off x="1271397" y="1700783"/>
+            <a:ext cx="9865233" cy="3107437"/>
           </a:xfrm>
           <a:prstGeom prst="rect">
             <a:avLst/>
           </a:prstGeom>
         </p:spPr>
         <p:txBody>
-          <a:bodyPr vert="horz" lIns="91440" tIns="45720" rIns="91440" bIns="45720">
-            <a:normAutofit lnSpcReduction="10000"/>
+          <a:bodyPr wrap="square">
+            <a:spAutoFit/>
           </a:bodyPr>
           <a:p>
-            <a:pPr marL="342900" indent="-342900" algn="l" defTabSz="914400" rtl="0" eaLnBrk="1" latinLnBrk="1" hangingPunct="1">
-              <a:lnSpc>
-                <a:spcPct val="100000"/>
-              </a:lnSpc>
-              <a:spcBef>
-                <a:spcPct val="20000"/>
-              </a:spcBef>
-              <a:spcAft>
-                <a:spcPts val="0"/>
-              </a:spcAft>
-              <a:buFont typeface="Arial"/>
-              <a:buChar char="•"/>
-              <a:defRPr/>
-            </a:pPr>
-            <a:r>
-              <a:rPr xmlns:mc="http://schemas.openxmlformats.org/markup-compatibility/2006" xmlns:hp="http://schemas.haansoft.com/office/presentation/8.0" kumimoji="0" lang="ko-KR" altLang="en-US" sz="2500" b="0" i="0" u="none" strike="noStrike" kern="1200" cap="none" spc="0" normalizeH="0" baseline="0" mc:Ignorable="hp" hp:hslEmbossed="0">
-                <a:solidFill>
-                  <a:schemeClr val="tx1"/>
-                </a:solidFill>
-                <a:latin typeface="+mn-lt"/>
-                <a:ea typeface="+mn-ea"/>
-                <a:cs typeface="+mn-cs"/>
-              </a:rPr>
-              <a:t>다양한 주무기</a:t>
-            </a:r>
-            <a:r>
-              <a:rPr xmlns:mc="http://schemas.openxmlformats.org/markup-compatibility/2006" xmlns:hp="http://schemas.haansoft.com/office/presentation/8.0" kumimoji="0" lang="en-US" altLang="ko-KR" sz="2500" b="0" i="0" u="none" strike="noStrike" kern="1200" cap="none" spc="0" normalizeH="0" baseline="0" mc:Ignorable="hp" hp:hslEmbossed="0">
-                <a:solidFill>
-                  <a:schemeClr val="tx1"/>
-                </a:solidFill>
-                <a:latin typeface="+mn-lt"/>
-                <a:ea typeface="+mn-ea"/>
-                <a:cs typeface="+mn-cs"/>
-              </a:rPr>
+            <a:pPr>
+              <a:defRPr/>
+            </a:pPr>
+            <a:r>
+              <a:rPr lang="en-US" altLang="ko-KR"/>
+              <a:t>Interactable : Monobehavior(</a:t>
+            </a:r>
+            <a:r>
+              <a:rPr lang="ko-KR" altLang="en-US"/>
+              <a:t>상호작용 스크립트</a:t>
+            </a:r>
+            <a:r>
+              <a:rPr lang="en-US" altLang="ko-KR"/>
+              <a:t>)</a:t>
+            </a:r>
+            <a:endParaRPr lang="en-US" altLang="ko-KR"/>
+          </a:p>
+          <a:p>
+            <a:pPr>
+              <a:defRPr/>
+            </a:pPr>
+            <a:r>
+              <a:rPr lang="en-US" altLang="ko-KR"/>
+              <a:t>-</a:t>
+            </a:r>
+            <a:r>
+              <a:rPr lang="ko-KR" altLang="en-US"/>
+              <a:t> 상호작용 가능한 각종 아이템의 부모 스크립트</a:t>
+            </a:r>
+            <a:br>
+              <a:rPr lang="ko-KR" altLang="en-US"/>
+            </a:br>
+            <a:r>
+              <a:rPr lang="en-US" altLang="ko-KR"/>
+              <a:t>-</a:t>
+            </a:r>
+            <a:r>
+              <a:rPr lang="ko-KR" altLang="en-US"/>
+              <a:t> 상호작용시</a:t>
+            </a:r>
+            <a:r>
+              <a:rPr lang="en-US" altLang="ko-KR"/>
+              <a:t> string promptMessage</a:t>
+            </a:r>
+            <a:r>
+              <a:rPr lang="ko-KR" altLang="en-US"/>
+              <a:t> 변수에 설정된 메세지를 화면에 표시</a:t>
+            </a:r>
+            <a:endParaRPr lang="ko-KR" altLang="en-US"/>
+          </a:p>
+          <a:p>
+            <a:pPr>
+              <a:defRPr/>
+            </a:pPr>
+            <a:endParaRPr lang="ko-KR" altLang="en-US"/>
+          </a:p>
+          <a:p>
+            <a:pPr>
+              <a:defRPr/>
+            </a:pPr>
+            <a:r>
+              <a:rPr lang="en-US" altLang="ko-KR"/>
+              <a:t>-</a:t>
+            </a:r>
+            <a:r>
+              <a:rPr lang="ko-KR" altLang="en-US"/>
+              <a:t> 플레이어의</a:t>
+            </a:r>
+            <a:r>
+              <a:rPr lang="en-US" altLang="ko-KR"/>
+              <a:t> Raycast</a:t>
+            </a:r>
+            <a:r>
+              <a:rPr lang="ko-KR" altLang="en-US"/>
+              <a:t>에 감지될시 상호작용 가능</a:t>
+            </a:r>
+            <a:endParaRPr lang="ko-KR" altLang="en-US"/>
+          </a:p>
+          <a:p>
+            <a:pPr>
+              <a:defRPr/>
+            </a:pPr>
+            <a:r>
+              <a:rPr lang="en-US" altLang="ko-KR"/>
+              <a:t>-</a:t>
+            </a:r>
+            <a:r>
+              <a:rPr lang="ko-KR" altLang="en-US"/>
+              <a:t> </a:t>
+            </a:r>
+            <a:r>
+              <a:rPr lang="en-US" altLang="ko-KR"/>
+              <a:t>Collider</a:t>
+            </a:r>
+            <a:r>
+              <a:rPr lang="ko-KR" altLang="en-US"/>
+              <a:t>가 감지되야 상호작용이 가능하므로 </a:t>
+            </a:r>
+            <a:r>
+              <a:rPr lang="en-US" altLang="ko-KR"/>
+              <a:t>Collider.enabled</a:t>
+            </a:r>
+            <a:r>
+              <a:rPr lang="ko-KR" altLang="en-US"/>
+              <a:t>로 상호작용 상태 관리 가능</a:t>
+            </a:r>
+            <a:endParaRPr lang="ko-KR" altLang="en-US"/>
+          </a:p>
+          <a:p>
+            <a:pPr>
+              <a:defRPr/>
+            </a:pPr>
+            <a:br>
+              <a:rPr lang="ko-KR" altLang="en-US"/>
+            </a:br>
+            <a:r>
+              <a:rPr lang="en-US" altLang="ko-KR"/>
+              <a:t>- </a:t>
+            </a:r>
+            <a:r>
+              <a:rPr lang="ko-KR" altLang="en-US"/>
+              <a:t>플레이어가 아이템과 상호작용시 </a:t>
+            </a:r>
+            <a:r>
+              <a:rPr lang="en-US" altLang="ko-KR"/>
+              <a:t>Interact()</a:t>
+            </a:r>
+            <a:r>
+              <a:rPr lang="ko-KR" altLang="en-US"/>
+              <a:t> 메서드를 호출하고</a:t>
+            </a:r>
+            <a:r>
+              <a:rPr lang="en-US" altLang="ko-KR"/>
               <a:t>,</a:t>
             </a:r>
             <a:r>
-              <a:rPr xmlns:mc="http://schemas.openxmlformats.org/markup-compatibility/2006" xmlns:hp="http://schemas.haansoft.com/office/presentation/8.0" kumimoji="0" lang="ko-KR" altLang="en-US" sz="2500" b="0" i="0" u="none" strike="noStrike" kern="1200" cap="none" spc="0" normalizeH="0" baseline="0" mc:Ignorable="hp" hp:hslEmbossed="0">
-                <a:solidFill>
-                  <a:schemeClr val="tx1"/>
-                </a:solidFill>
-                <a:latin typeface="+mn-lt"/>
-                <a:ea typeface="+mn-ea"/>
-                <a:cs typeface="+mn-cs"/>
-              </a:rPr>
-              <a:t> 보조무기</a:t>
-            </a:r>
-            <a:r>
-              <a:rPr xmlns:mc="http://schemas.openxmlformats.org/markup-compatibility/2006" xmlns:hp="http://schemas.haansoft.com/office/presentation/8.0" kumimoji="0" lang="en-US" altLang="ko-KR" sz="2500" b="0" i="0" u="none" strike="noStrike" kern="1200" cap="none" spc="0" normalizeH="0" baseline="0" mc:Ignorable="hp" hp:hslEmbossed="0">
-                <a:solidFill>
-                  <a:schemeClr val="tx1"/>
-                </a:solidFill>
-                <a:latin typeface="+mn-lt"/>
-                <a:ea typeface="+mn-ea"/>
-                <a:cs typeface="+mn-cs"/>
-              </a:rPr>
-              <a:t>,</a:t>
-            </a:r>
-            <a:r>
-              <a:rPr xmlns:mc="http://schemas.openxmlformats.org/markup-compatibility/2006" xmlns:hp="http://schemas.haansoft.com/office/presentation/8.0" kumimoji="0" lang="ko-KR" altLang="en-US" sz="2500" b="0" i="0" u="none" strike="noStrike" kern="1200" cap="none" spc="0" normalizeH="0" baseline="0" mc:Ignorable="hp" hp:hslEmbossed="0">
-                <a:solidFill>
-                  <a:schemeClr val="tx1"/>
-                </a:solidFill>
-                <a:latin typeface="+mn-lt"/>
-                <a:ea typeface="+mn-ea"/>
-                <a:cs typeface="+mn-cs"/>
-              </a:rPr>
-              <a:t> 투척무기 구현하여 플레이어 취향에 맞는 무기 선택 가능</a:t>
-            </a:r>
-            <a:endParaRPr xmlns:mc="http://schemas.openxmlformats.org/markup-compatibility/2006" xmlns:hp="http://schemas.haansoft.com/office/presentation/8.0" kumimoji="0" lang="ko-KR" altLang="en-US" sz="2500" b="0" i="0" u="none" strike="noStrike" kern="1200" cap="none" spc="0" normalizeH="0" baseline="0" mc:Ignorable="hp" hp:hslEmbossed="0">
-              <a:solidFill>
-                <a:schemeClr val="tx1"/>
-              </a:solidFill>
-              <a:latin typeface="+mn-lt"/>
-              <a:ea typeface="+mn-ea"/>
-              <a:cs typeface="+mn-cs"/>
-            </a:endParaRPr>
-          </a:p>
-          <a:p>
-            <a:pPr marL="342900" indent="-342900" algn="l" defTabSz="914400" rtl="0" eaLnBrk="1" latinLnBrk="1" hangingPunct="1">
-              <a:lnSpc>
-                <a:spcPct val="100000"/>
-              </a:lnSpc>
-              <a:spcBef>
-                <a:spcPct val="20000"/>
-              </a:spcBef>
-              <a:spcAft>
-                <a:spcPts val="0"/>
-              </a:spcAft>
-              <a:buFont typeface="Arial"/>
-              <a:buChar char="•"/>
-              <a:defRPr/>
-            </a:pPr>
-            <a:r>
-              <a:rPr xmlns:mc="http://schemas.openxmlformats.org/markup-compatibility/2006" xmlns:hp="http://schemas.haansoft.com/office/presentation/8.0" kumimoji="0" lang="ko-KR" altLang="en-US" sz="2500" b="0" i="0" u="none" strike="noStrike" kern="1200" cap="none" spc="0" normalizeH="0" baseline="0" mc:Ignorable="hp" hp:hslEmbossed="0">
-                <a:solidFill>
-                  <a:schemeClr val="tx1"/>
-                </a:solidFill>
-                <a:latin typeface="+mn-lt"/>
-                <a:ea typeface="+mn-ea"/>
-                <a:cs typeface="+mn-cs"/>
-              </a:rPr>
-              <a:t>특수한 능력을 가진 좀비 구현</a:t>
-            </a:r>
-            <a:r>
-              <a:rPr xmlns:mc="http://schemas.openxmlformats.org/markup-compatibility/2006" xmlns:hp="http://schemas.haansoft.com/office/presentation/8.0" kumimoji="0" lang="en-US" altLang="ko-KR" sz="2500" b="0" i="0" u="none" strike="noStrike" kern="1200" cap="none" spc="0" normalizeH="0" baseline="0" mc:Ignorable="hp" hp:hslEmbossed="0">
-                <a:solidFill>
-                  <a:schemeClr val="tx1"/>
-                </a:solidFill>
-                <a:latin typeface="+mn-lt"/>
-                <a:ea typeface="+mn-ea"/>
-                <a:cs typeface="+mn-cs"/>
-              </a:rPr>
-              <a:t>(</a:t>
-            </a:r>
-            <a:r>
-              <a:rPr xmlns:mc="http://schemas.openxmlformats.org/markup-compatibility/2006" xmlns:hp="http://schemas.haansoft.com/office/presentation/8.0" kumimoji="0" lang="ko-KR" altLang="en-US" sz="2500" b="0" i="0" u="none" strike="noStrike" kern="1200" cap="none" spc="0" normalizeH="0" baseline="0" mc:Ignorable="hp" hp:hslEmbossed="0">
-                <a:solidFill>
-                  <a:schemeClr val="tx1"/>
-                </a:solidFill>
-                <a:latin typeface="+mn-lt"/>
-                <a:ea typeface="+mn-ea"/>
-                <a:cs typeface="+mn-cs"/>
-              </a:rPr>
-              <a:t>난이도 상향</a:t>
-            </a:r>
-            <a:r>
-              <a:rPr xmlns:mc="http://schemas.openxmlformats.org/markup-compatibility/2006" xmlns:hp="http://schemas.haansoft.com/office/presentation/8.0" kumimoji="0" lang="en-US" altLang="ko-KR" sz="2500" b="0" i="0" u="none" strike="noStrike" kern="1200" cap="none" spc="0" normalizeH="0" baseline="0" mc:Ignorable="hp" hp:hslEmbossed="0">
-                <a:solidFill>
-                  <a:schemeClr val="tx1"/>
-                </a:solidFill>
-                <a:latin typeface="+mn-lt"/>
-                <a:ea typeface="+mn-ea"/>
-                <a:cs typeface="+mn-cs"/>
-              </a:rPr>
-              <a:t>)</a:t>
-            </a:r>
-            <a:endParaRPr xmlns:mc="http://schemas.openxmlformats.org/markup-compatibility/2006" xmlns:hp="http://schemas.haansoft.com/office/presentation/8.0" kumimoji="0" lang="en-US" altLang="ko-KR" sz="2500" b="0" i="0" u="none" strike="noStrike" kern="1200" cap="none" spc="0" normalizeH="0" baseline="0" mc:Ignorable="hp" hp:hslEmbossed="0">
-              <a:solidFill>
-                <a:schemeClr val="tx1"/>
-              </a:solidFill>
-              <a:latin typeface="+mn-lt"/>
-              <a:ea typeface="+mn-ea"/>
-              <a:cs typeface="+mn-cs"/>
-            </a:endParaRPr>
-          </a:p>
-          <a:p>
-            <a:pPr marL="342900" indent="-342900" algn="l" defTabSz="914400" rtl="0" eaLnBrk="1" latinLnBrk="1" hangingPunct="1">
-              <a:lnSpc>
-                <a:spcPct val="100000"/>
-              </a:lnSpc>
-              <a:spcBef>
-                <a:spcPct val="20000"/>
-              </a:spcBef>
-              <a:spcAft>
-                <a:spcPts val="0"/>
-              </a:spcAft>
-              <a:buFont typeface="Arial"/>
-              <a:buChar char="•"/>
-              <a:defRPr/>
-            </a:pPr>
-            <a:endParaRPr xmlns:mc="http://schemas.openxmlformats.org/markup-compatibility/2006" xmlns:hp="http://schemas.haansoft.com/office/presentation/8.0" kumimoji="0" lang="en-US" altLang="ko-KR" sz="2500" b="0" i="0" u="none" strike="noStrike" kern="1200" cap="none" spc="0" normalizeH="0" baseline="0" mc:Ignorable="hp" hp:hslEmbossed="0">
-              <a:solidFill>
-                <a:schemeClr val="tx1"/>
-              </a:solidFill>
-              <a:latin typeface="+mn-lt"/>
-              <a:ea typeface="+mn-ea"/>
-              <a:cs typeface="+mn-cs"/>
-            </a:endParaRPr>
-          </a:p>
-          <a:p>
-            <a:pPr marL="342900" indent="-342900" algn="l" defTabSz="914400" rtl="0" eaLnBrk="1" latinLnBrk="1" hangingPunct="1">
-              <a:lnSpc>
-                <a:spcPct val="100000"/>
-              </a:lnSpc>
-              <a:spcBef>
-                <a:spcPct val="20000"/>
-              </a:spcBef>
-              <a:spcAft>
-                <a:spcPts val="0"/>
-              </a:spcAft>
-              <a:buFont typeface="Arial"/>
-              <a:buChar char="•"/>
-              <a:defRPr/>
-            </a:pPr>
-            <a:endParaRPr xmlns:mc="http://schemas.openxmlformats.org/markup-compatibility/2006" xmlns:hp="http://schemas.haansoft.com/office/presentation/8.0" kumimoji="0" lang="en-US" altLang="ko-KR" sz="2500" b="0" i="0" u="none" strike="noStrike" kern="1200" cap="none" spc="0" normalizeH="0" baseline="0" mc:Ignorable="hp" hp:hslEmbossed="0">
-              <a:solidFill>
-                <a:schemeClr val="tx1"/>
-              </a:solidFill>
-              <a:latin typeface="+mn-lt"/>
-              <a:ea typeface="+mn-ea"/>
-              <a:cs typeface="+mn-cs"/>
-            </a:endParaRPr>
-          </a:p>
-          <a:p>
-            <a:pPr marL="342900" indent="-342900" algn="l" defTabSz="914400" rtl="0" eaLnBrk="1" latinLnBrk="1" hangingPunct="1">
-              <a:lnSpc>
-                <a:spcPct val="100000"/>
-              </a:lnSpc>
-              <a:spcBef>
-                <a:spcPct val="20000"/>
-              </a:spcBef>
-              <a:spcAft>
-                <a:spcPts val="0"/>
-              </a:spcAft>
-              <a:buFont typeface="Arial"/>
-              <a:buChar char="•"/>
-              <a:defRPr/>
-            </a:pPr>
-            <a:endParaRPr xmlns:mc="http://schemas.openxmlformats.org/markup-compatibility/2006" xmlns:hp="http://schemas.haansoft.com/office/presentation/8.0" kumimoji="0" lang="en-US" altLang="ko-KR" sz="2500" b="0" i="0" u="none" strike="noStrike" kern="1200" cap="none" spc="0" normalizeH="0" baseline="0" mc:Ignorable="hp" hp:hslEmbossed="0">
-              <a:solidFill>
-                <a:schemeClr val="tx1"/>
-              </a:solidFill>
-              <a:latin typeface="+mn-lt"/>
-              <a:ea typeface="+mn-ea"/>
-              <a:cs typeface="+mn-cs"/>
-            </a:endParaRPr>
-          </a:p>
-          <a:p>
-            <a:pPr marL="342900" indent="-342900" algn="l" defTabSz="914400" rtl="0" eaLnBrk="1" latinLnBrk="1" hangingPunct="1">
-              <a:lnSpc>
-                <a:spcPct val="100000"/>
-              </a:lnSpc>
-              <a:spcBef>
-                <a:spcPct val="20000"/>
-              </a:spcBef>
-              <a:spcAft>
-                <a:spcPts val="0"/>
-              </a:spcAft>
-              <a:buFont typeface="Arial"/>
-              <a:buChar char="•"/>
-              <a:defRPr/>
-            </a:pPr>
-            <a:endParaRPr xmlns:mc="http://schemas.openxmlformats.org/markup-compatibility/2006" xmlns:hp="http://schemas.haansoft.com/office/presentation/8.0" kumimoji="0" lang="ko-KR" altLang="en-US" sz="2500" b="0" i="0" u="none" strike="noStrike" kern="1200" cap="none" spc="0" normalizeH="0" baseline="0" mc:Ignorable="hp" hp:hslEmbossed="0">
-              <a:solidFill>
-                <a:schemeClr val="tx1"/>
-              </a:solidFill>
-              <a:latin typeface="+mn-lt"/>
-              <a:ea typeface="+mn-ea"/>
-              <a:cs typeface="+mn-cs"/>
-            </a:endParaRPr>
-          </a:p>
-          <a:p>
-            <a:pPr marL="0" indent="0" algn="l" defTabSz="914400" rtl="0" eaLnBrk="1" latinLnBrk="1" hangingPunct="1">
-              <a:lnSpc>
-                <a:spcPct val="100000"/>
-              </a:lnSpc>
-              <a:spcBef>
-                <a:spcPct val="20000"/>
-              </a:spcBef>
-              <a:spcAft>
-                <a:spcPts val="0"/>
-              </a:spcAft>
-              <a:buFont typeface="Arial"/>
-              <a:buNone/>
-              <a:defRPr/>
-            </a:pPr>
-            <a:endParaRPr xmlns:mc="http://schemas.openxmlformats.org/markup-compatibility/2006" xmlns:hp="http://schemas.haansoft.com/office/presentation/8.0" kumimoji="0" lang="ko-KR" altLang="en-US" sz="2500" b="0" i="0" u="none" strike="noStrike" kern="1200" cap="none" spc="0" normalizeH="0" baseline="0" mc:Ignorable="hp" hp:hslEmbossed="0">
-              <a:solidFill>
-                <a:schemeClr val="tx1"/>
-              </a:solidFill>
-              <a:latin typeface="+mn-lt"/>
-              <a:ea typeface="+mn-ea"/>
-              <a:cs typeface="+mn-cs"/>
-            </a:endParaRPr>
+              <a:rPr lang="ko-KR" altLang="en-US"/>
+              <a:t> </a:t>
+            </a:r>
+            <a:r>
+              <a:rPr lang="en-US" altLang="ko-KR"/>
+              <a:t>Interact()</a:t>
+            </a:r>
+            <a:r>
+              <a:rPr lang="ko-KR" altLang="en-US"/>
+              <a:t> 메서드는 자식 객체들이 오버라이드하여 작성하게끔 설정</a:t>
+            </a:r>
+            <a:endParaRPr lang="ko-KR" altLang="en-US"/>
+          </a:p>
+          <a:p>
+            <a:pPr>
+              <a:defRPr/>
+            </a:pPr>
+            <a:endParaRPr lang="ko-KR" altLang="en-US"/>
+          </a:p>
+          <a:p>
+            <a:pPr>
+              <a:defRPr/>
+            </a:pPr>
+            <a:r>
+              <a:rPr lang="en-US" altLang="ko-KR"/>
+              <a:t>-</a:t>
+            </a:r>
+            <a:r>
+              <a:rPr lang="ko-KR" altLang="en-US"/>
+              <a:t> 추가로 </a:t>
+            </a:r>
+            <a:r>
+              <a:rPr lang="en-US" altLang="ko-KR"/>
+              <a:t>bool useEvents</a:t>
+            </a:r>
+            <a:r>
+              <a:rPr lang="ko-KR" altLang="en-US"/>
+              <a:t>를 체크하면</a:t>
+            </a:r>
+            <a:r>
+              <a:rPr lang="en-US" altLang="ko-KR"/>
+              <a:t> UnityEvent</a:t>
+            </a:r>
+            <a:r>
+              <a:rPr lang="ko-KR" altLang="en-US"/>
+              <a:t>를 추가할수있는 스크립트가 자동으로 부착됨</a:t>
+            </a:r>
+            <a:endParaRPr lang="ko-KR" altLang="en-US"/>
           </a:p>
         </p:txBody>
       </p:sp>
@@ -3671,72 +3592,288 @@
             </a:pPr>
             <a:r>
               <a:rPr lang="ko-KR" altLang="en-US"/>
-              <a:t>콘텐츠 구성 </a:t>
-            </a:r>
-            <a:r>
-              <a:rPr lang="en-US" altLang="ko-KR"/>
-              <a:t>1.</a:t>
-            </a:r>
-            <a:r>
-              <a:rPr lang="ko-KR" altLang="en-US"/>
-              <a:t>스토리 모드</a:t>
-            </a:r>
-            <a:endParaRPr lang="ko-KR" altLang="en-US"/>
-          </a:p>
-        </p:txBody>
-      </p:sp>
-      <p:sp>
-        <p:nvSpPr>
-          <p:cNvPr id="3" name="내용 개체 틀 2"/>
-          <p:cNvSpPr>
-            <a:spLocks noGrp="1"/>
-          </p:cNvSpPr>
-          <p:nvPr>
-            <p:ph idx="1"/>
-          </p:nvPr>
+              <a:t>무기 설계</a:t>
+            </a:r>
+            <a:endParaRPr lang="ko-KR" altLang="en-US"/>
+          </a:p>
+        </p:txBody>
+      </p:sp>
+      <p:sp>
+        <p:nvSpPr>
+          <p:cNvPr id="4" name=""/>
+          <p:cNvSpPr txBox="1"/>
+          <p:nvPr/>
         </p:nvSpPr>
         <p:spPr>
           <a:xfrm>
-            <a:off x="623316" y="1600200"/>
-            <a:ext cx="10972798" cy="4525963"/>
+            <a:off x="1271397" y="1700782"/>
+            <a:ext cx="9865233" cy="3107437"/>
           </a:xfrm>
+          <a:prstGeom prst="rect">
+            <a:avLst/>
+          </a:prstGeom>
         </p:spPr>
         <p:txBody>
-          <a:bodyPr/>
-          <a:lstStyle/>
+          <a:bodyPr wrap="square">
+            <a:spAutoFit/>
+          </a:bodyPr>
           <a:p>
             <a:pPr>
               <a:defRPr/>
             </a:pPr>
             <a:r>
-              <a:rPr lang="ko-KR" altLang="en-US" sz="2500"/>
-              <a:t>정해진 맵에서 목표를 완수하여 탈출해야함</a:t>
-            </a:r>
-            <a:endParaRPr lang="ko-KR" altLang="en-US" sz="2500"/>
+              <a:rPr lang="en-US" altLang="ko-KR"/>
+              <a:t>Weapon : Interactable(</a:t>
+            </a:r>
+            <a:r>
+              <a:rPr lang="ko-KR" altLang="en-US"/>
+              <a:t>무기 스크립트</a:t>
+            </a:r>
+            <a:r>
+              <a:rPr lang="en-US" altLang="ko-KR"/>
+              <a:t>)</a:t>
+            </a:r>
+            <a:endParaRPr lang="en-US" altLang="ko-KR"/>
           </a:p>
           <a:p>
             <a:pPr>
               <a:defRPr/>
             </a:pPr>
             <a:r>
-              <a:rPr lang="ko-KR" altLang="en-US" sz="2500"/>
-              <a:t>헬리포트까지 이동하여 무전기로 헬기를 부르고 탈출 </a:t>
-            </a:r>
-            <a:r>
-              <a:rPr lang="en-US" altLang="ko-KR" sz="2500"/>
-              <a:t>or </a:t>
-            </a:r>
-            <a:r>
-              <a:rPr lang="ko-KR" altLang="en-US" sz="2500"/>
-              <a:t>연료를 모아 발전기를 가동하여 헬기를 부르고 탈출 등 맵마다 목표 부여</a:t>
-            </a:r>
-            <a:endParaRPr lang="ko-KR" altLang="en-US" sz="2500"/>
+              <a:rPr lang="en-US" altLang="ko-KR"/>
+              <a:t>-</a:t>
+            </a:r>
+            <a:r>
+              <a:rPr lang="ko-KR" altLang="en-US"/>
+              <a:t> 각종 무기들의 부모 스크립트</a:t>
+            </a:r>
+            <a:br>
+              <a:rPr lang="ko-KR" altLang="en-US"/>
+            </a:br>
+            <a:r>
+              <a:rPr lang="en-US" altLang="ko-KR"/>
+              <a:t>-</a:t>
+            </a:r>
+            <a:r>
+              <a:rPr lang="ko-KR" altLang="en-US"/>
+              <a:t> 무기들은 상호작용하여 획득하는것이므로 </a:t>
+            </a:r>
+            <a:r>
+              <a:rPr lang="en-US" altLang="ko-KR"/>
+              <a:t>Interactable</a:t>
+            </a:r>
+            <a:r>
+              <a:rPr lang="ko-KR" altLang="en-US"/>
+              <a:t>을 상속함</a:t>
+            </a:r>
+            <a:endParaRPr lang="ko-KR" altLang="en-US"/>
           </a:p>
           <a:p>
             <a:pPr>
               <a:defRPr/>
             </a:pPr>
-            <a:endParaRPr lang="ko-KR" altLang="en-US" sz="2500"/>
+            <a:endParaRPr lang="ko-KR" altLang="en-US"/>
+          </a:p>
+          <a:p>
+            <a:pPr>
+              <a:defRPr/>
+            </a:pPr>
+            <a:r>
+              <a:rPr lang="en-US" altLang="ko-KR"/>
+              <a:t>-</a:t>
+            </a:r>
+            <a:r>
+              <a:rPr lang="ko-KR" altLang="en-US"/>
+              <a:t> 무기 획득시 상호작용한 </a:t>
+            </a:r>
+            <a:r>
+              <a:rPr lang="en-US" altLang="ko-KR"/>
+              <a:t>Player</a:t>
+            </a:r>
+            <a:r>
+              <a:rPr lang="ko-KR" altLang="en-US"/>
+              <a:t>의 정보를 저장한뒤 </a:t>
+            </a:r>
+            <a:r>
+              <a:rPr lang="en-US" altLang="ko-KR"/>
+              <a:t>AnimController</a:t>
+            </a:r>
+            <a:r>
+              <a:rPr lang="ko-KR" altLang="en-US"/>
+              <a:t>와</a:t>
+            </a:r>
+            <a:r>
+              <a:rPr lang="en-US" altLang="ko-KR"/>
+              <a:t> Item</a:t>
+            </a:r>
+            <a:r>
+              <a:rPr lang="ko-KR" altLang="en-US"/>
+              <a:t> 관리 스크립트를 읽어와서 사용</a:t>
+            </a:r>
+            <a:br>
+              <a:rPr lang="ko-KR" altLang="en-US"/>
+            </a:br>
+            <a:r>
+              <a:rPr lang="en-US" altLang="ko-KR"/>
+              <a:t>-</a:t>
+            </a:r>
+            <a:r>
+              <a:rPr lang="ko-KR" altLang="en-US"/>
+              <a:t> 무기 획득시 </a:t>
+            </a:r>
+            <a:r>
+              <a:rPr lang="en-US" altLang="ko-KR"/>
+              <a:t>(1)</a:t>
+            </a:r>
+            <a:r>
+              <a:rPr lang="ko-KR" altLang="en-US"/>
+              <a:t>기존무기와 획득 무기 교체</a:t>
+            </a:r>
+            <a:r>
+              <a:rPr lang="en-US" altLang="ko-KR"/>
+              <a:t>,</a:t>
+            </a:r>
+            <a:r>
+              <a:rPr lang="ko-KR" altLang="en-US"/>
+              <a:t> </a:t>
+            </a:r>
+            <a:r>
+              <a:rPr lang="en-US" altLang="ko-KR"/>
+              <a:t>(2)</a:t>
+            </a:r>
+            <a:r>
+              <a:rPr lang="ko-KR" altLang="en-US"/>
+              <a:t>기존 무기 필드에 드랍</a:t>
+            </a:r>
+            <a:r>
+              <a:rPr lang="en-US" altLang="ko-KR"/>
+              <a:t>,</a:t>
+            </a:r>
+            <a:r>
+              <a:rPr lang="ko-KR" altLang="en-US"/>
+              <a:t> </a:t>
+            </a:r>
+            <a:r>
+              <a:rPr lang="en-US" altLang="ko-KR"/>
+              <a:t>(3)</a:t>
+            </a:r>
+            <a:r>
+              <a:rPr lang="ko-KR" altLang="en-US"/>
+              <a:t>기존 무기의</a:t>
+            </a:r>
+            <a:r>
+              <a:rPr lang="en-US" altLang="ko-KR"/>
+              <a:t> Player</a:t>
+            </a:r>
+            <a:r>
+              <a:rPr lang="ko-KR" altLang="en-US"/>
+              <a:t> 정보 제거</a:t>
+            </a:r>
+            <a:r>
+              <a:rPr lang="en-US" altLang="ko-KR"/>
+              <a:t>,</a:t>
+            </a:r>
+            <a:r>
+              <a:rPr lang="ko-KR" altLang="en-US"/>
+              <a:t> </a:t>
+            </a:r>
+            <a:r>
+              <a:rPr lang="en-US" altLang="ko-KR"/>
+              <a:t>(4)</a:t>
+            </a:r>
+            <a:r>
+              <a:rPr lang="ko-KR" altLang="en-US"/>
+              <a:t>획득 무기 부모 등록</a:t>
+            </a:r>
+            <a:r>
+              <a:rPr lang="en-US" altLang="ko-KR"/>
+              <a:t>,</a:t>
+            </a:r>
+            <a:r>
+              <a:rPr lang="ko-KR" altLang="en-US"/>
+              <a:t> 위치 변경 </a:t>
+            </a:r>
+            <a:r>
+              <a:rPr lang="en-US" altLang="ko-KR"/>
+              <a:t>(5)</a:t>
+            </a:r>
+            <a:r>
+              <a:rPr lang="ko-KR" altLang="en-US"/>
+              <a:t>획득한 무기로 현재 장비중인 무기 변경</a:t>
+            </a:r>
+            <a:r>
+              <a:rPr lang="en-US" altLang="ko-KR"/>
+              <a:t>,</a:t>
+            </a:r>
+            <a:r>
+              <a:rPr lang="ko-KR" altLang="en-US"/>
+              <a:t> </a:t>
+            </a:r>
+            <a:r>
+              <a:rPr lang="en-US" altLang="ko-KR"/>
+              <a:t>(6)</a:t>
+            </a:r>
+            <a:r>
+              <a:rPr lang="ko-KR" altLang="en-US"/>
+              <a:t>애니메이션 레이어 변경</a:t>
+            </a:r>
+            <a:r>
+              <a:rPr lang="en-US" altLang="ko-KR"/>
+              <a:t>,</a:t>
+            </a:r>
+            <a:r>
+              <a:rPr lang="ko-KR" altLang="en-US"/>
+              <a:t> </a:t>
+            </a:r>
+            <a:r>
+              <a:rPr lang="en-US" altLang="ko-KR"/>
+              <a:t>(7)Shot delegate </a:t>
+            </a:r>
+            <a:r>
+              <a:rPr lang="ko-KR" altLang="en-US"/>
+              <a:t>수정 등 일련의 과정이 이루어짐</a:t>
+            </a:r>
+            <a:endParaRPr lang="ko-KR" altLang="en-US"/>
+          </a:p>
+          <a:p>
+            <a:pPr>
+              <a:defRPr/>
+            </a:pPr>
+            <a:endParaRPr lang="ko-KR" altLang="en-US"/>
+          </a:p>
+          <a:p>
+            <a:pPr>
+              <a:defRPr/>
+            </a:pPr>
+            <a:r>
+              <a:rPr lang="en-US" altLang="ko-KR"/>
+              <a:t>-</a:t>
+            </a:r>
+            <a:r>
+              <a:rPr lang="ko-KR" altLang="en-US"/>
+              <a:t> 각종 무기들은 </a:t>
+            </a:r>
+            <a:r>
+              <a:rPr lang="en-US" altLang="ko-KR"/>
+              <a:t>Weapon</a:t>
+            </a:r>
+            <a:r>
+              <a:rPr lang="ko-KR" altLang="en-US"/>
+              <a:t>을 상속받으면 즉시 모든 기능을 사용할수있음</a:t>
+            </a:r>
+            <a:r>
+              <a:rPr lang="en-US" altLang="ko-KR"/>
+              <a:t>(</a:t>
+            </a:r>
+            <a:r>
+              <a:rPr lang="ko-KR" altLang="en-US"/>
+              <a:t>무기 추가가 간단해짐</a:t>
+            </a:r>
+            <a:r>
+              <a:rPr lang="en-US" altLang="ko-KR"/>
+              <a:t>)</a:t>
+            </a:r>
+            <a:endParaRPr lang="en-US" altLang="ko-KR"/>
           </a:p>
         </p:txBody>
       </p:sp>
@@ -3793,154 +3930,297 @@
             </a:pPr>
             <a:r>
               <a:rPr lang="ko-KR" altLang="en-US"/>
-              <a:t>게임 시스템 </a:t>
-            </a:r>
-            <a:r>
-              <a:rPr lang="en-US" altLang="ko-KR"/>
-              <a:t>-</a:t>
-            </a:r>
-            <a:r>
-              <a:rPr lang="ko-KR" altLang="en-US"/>
-              <a:t> 무기</a:t>
-            </a:r>
-            <a:endParaRPr lang="ko-KR" altLang="en-US"/>
-          </a:p>
-        </p:txBody>
-      </p:sp>
-      <p:sp>
-        <p:nvSpPr>
-          <p:cNvPr id="3" name="내용 개체 틀 2"/>
-          <p:cNvSpPr>
-            <a:spLocks noGrp="1"/>
-          </p:cNvSpPr>
-          <p:nvPr>
-            <p:ph idx="1"/>
-          </p:nvPr>
+              <a:t>게임 특징</a:t>
+            </a:r>
+            <a:endParaRPr lang="ko-KR" altLang="en-US"/>
+          </a:p>
+        </p:txBody>
+      </p:sp>
+      <p:sp>
+        <p:nvSpPr>
+          <p:cNvPr id="4" name="내용 개체 틀 2"/>
+          <p:cNvSpPr/>
+          <p:nvPr/>
         </p:nvSpPr>
         <p:spPr>
           <a:xfrm>
-            <a:off x="623316" y="1600200"/>
+            <a:off x="551307" y="1567370"/>
             <a:ext cx="10972798" cy="4525963"/>
           </a:xfrm>
+          <a:prstGeom prst="rect">
+            <a:avLst/>
+          </a:prstGeom>
         </p:spPr>
         <p:txBody>
-          <a:bodyPr/>
-          <a:lstStyle/>
-          <a:p>
-            <a:pPr>
-              <a:defRPr/>
-            </a:pPr>
-            <a:r>
-              <a:rPr lang="ko-KR" altLang="en-US" sz="2500"/>
-              <a:t>주무기는 라이플</a:t>
-            </a:r>
-            <a:r>
-              <a:rPr lang="en-US" altLang="ko-KR" sz="2500"/>
+          <a:bodyPr vert="horz" lIns="91440" tIns="45720" rIns="91440" bIns="45720">
+            <a:normAutofit lnSpcReduction="10000"/>
+          </a:bodyPr>
+          <a:p>
+            <a:pPr marL="342900" indent="-342900" algn="l" defTabSz="914400" rtl="0" eaLnBrk="1" latinLnBrk="1" hangingPunct="1">
+              <a:lnSpc>
+                <a:spcPct val="100000"/>
+              </a:lnSpc>
+              <a:spcBef>
+                <a:spcPct val="20000"/>
+              </a:spcBef>
+              <a:spcAft>
+                <a:spcPts val="0"/>
+              </a:spcAft>
+              <a:buFont typeface="Arial"/>
+              <a:buChar char="•"/>
+              <a:defRPr/>
+            </a:pPr>
+            <a:r>
+              <a:rPr xmlns:mc="http://schemas.openxmlformats.org/markup-compatibility/2006" xmlns:hp="http://schemas.haansoft.com/office/presentation/8.0" kumimoji="0" lang="ko-KR" altLang="en-US" sz="2500" b="0" i="0" u="none" strike="noStrike" kern="1200" cap="none" spc="0" normalizeH="0" baseline="0" mc:Ignorable="hp" hp:hslEmbossed="0">
+                <a:solidFill>
+                  <a:schemeClr val="tx1"/>
+                </a:solidFill>
+                <a:latin typeface="+mn-lt"/>
+                <a:ea typeface="+mn-ea"/>
+                <a:cs typeface="+mn-cs"/>
+              </a:rPr>
+              <a:t>다양한 주무기</a:t>
+            </a:r>
+            <a:r>
+              <a:rPr xmlns:mc="http://schemas.openxmlformats.org/markup-compatibility/2006" xmlns:hp="http://schemas.haansoft.com/office/presentation/8.0" kumimoji="0" lang="en-US" altLang="ko-KR" sz="2500" b="0" i="0" u="none" strike="noStrike" kern="1200" cap="none" spc="0" normalizeH="0" baseline="0" mc:Ignorable="hp" hp:hslEmbossed="0">
+                <a:solidFill>
+                  <a:schemeClr val="tx1"/>
+                </a:solidFill>
+                <a:latin typeface="+mn-lt"/>
+                <a:ea typeface="+mn-ea"/>
+                <a:cs typeface="+mn-cs"/>
+              </a:rPr>
               <a:t>,</a:t>
             </a:r>
             <a:r>
-              <a:rPr lang="ko-KR" altLang="en-US" sz="2500"/>
-              <a:t> 샷건</a:t>
-            </a:r>
-            <a:r>
-              <a:rPr lang="en-US" altLang="ko-KR" sz="2500"/>
+              <a:rPr xmlns:mc="http://schemas.openxmlformats.org/markup-compatibility/2006" xmlns:hp="http://schemas.haansoft.com/office/presentation/8.0" kumimoji="0" lang="ko-KR" altLang="en-US" sz="2500" b="0" i="0" u="none" strike="noStrike" kern="1200" cap="none" spc="0" normalizeH="0" baseline="0" mc:Ignorable="hp" hp:hslEmbossed="0">
+                <a:solidFill>
+                  <a:schemeClr val="tx1"/>
+                </a:solidFill>
+                <a:latin typeface="+mn-lt"/>
+                <a:ea typeface="+mn-ea"/>
+                <a:cs typeface="+mn-cs"/>
+              </a:rPr>
+              <a:t> 보조무기</a:t>
+            </a:r>
+            <a:r>
+              <a:rPr xmlns:mc="http://schemas.openxmlformats.org/markup-compatibility/2006" xmlns:hp="http://schemas.haansoft.com/office/presentation/8.0" kumimoji="0" lang="en-US" altLang="ko-KR" sz="2500" b="0" i="0" u="none" strike="noStrike" kern="1200" cap="none" spc="0" normalizeH="0" baseline="0" mc:Ignorable="hp" hp:hslEmbossed="0">
+                <a:solidFill>
+                  <a:schemeClr val="tx1"/>
+                </a:solidFill>
+                <a:latin typeface="+mn-lt"/>
+                <a:ea typeface="+mn-ea"/>
+                <a:cs typeface="+mn-cs"/>
+              </a:rPr>
               <a:t>,</a:t>
             </a:r>
             <a:r>
-              <a:rPr lang="ko-KR" altLang="en-US" sz="2500"/>
-              <a:t> 스나이퍼 </a:t>
-            </a:r>
-            <a:r>
-              <a:rPr lang="en-US" altLang="ko-KR" sz="2500"/>
-              <a:t>3</a:t>
-            </a:r>
-            <a:r>
-              <a:rPr lang="ko-KR" altLang="en-US" sz="2500"/>
-              <a:t>가지로 구현</a:t>
-            </a:r>
-            <a:endParaRPr lang="ko-KR" altLang="en-US" sz="2500"/>
-          </a:p>
-          <a:p>
-            <a:pPr>
-              <a:defRPr/>
-            </a:pPr>
-            <a:r>
-              <a:rPr lang="ko-KR" altLang="en-US" sz="2500"/>
-              <a:t>보조무기는 권총</a:t>
-            </a:r>
-            <a:r>
-              <a:rPr lang="en-US" altLang="ko-KR" sz="2500"/>
-              <a:t>,</a:t>
-            </a:r>
-            <a:r>
-              <a:rPr lang="ko-KR" altLang="en-US" sz="2500"/>
-              <a:t> 근접무기 </a:t>
-            </a:r>
-            <a:r>
-              <a:rPr lang="en-US" altLang="ko-KR" sz="2500"/>
-              <a:t>2</a:t>
-            </a:r>
-            <a:r>
-              <a:rPr lang="ko-KR" altLang="en-US" sz="2500"/>
-              <a:t>가지로 구현</a:t>
-            </a:r>
-            <a:endParaRPr lang="ko-KR" altLang="en-US" sz="2500"/>
-          </a:p>
-          <a:p>
-            <a:pPr>
-              <a:defRPr/>
-            </a:pPr>
-            <a:r>
-              <a:rPr lang="ko-KR" altLang="en-US" sz="2500"/>
-              <a:t>투척무기는 화염탄</a:t>
-            </a:r>
-            <a:r>
-              <a:rPr lang="en-US" altLang="ko-KR" sz="2500"/>
-              <a:t>,</a:t>
-            </a:r>
-            <a:r>
-              <a:rPr lang="ko-KR" altLang="en-US" sz="2500"/>
-              <a:t> 파이프폭탄 </a:t>
-            </a:r>
-            <a:r>
-              <a:rPr lang="en-US" altLang="ko-KR" sz="2500"/>
-              <a:t>2</a:t>
-            </a:r>
-            <a:r>
-              <a:rPr lang="ko-KR" altLang="en-US" sz="2500"/>
-              <a:t>가지로 구현</a:t>
-            </a:r>
-            <a:endParaRPr lang="ko-KR" altLang="en-US" sz="2500"/>
-          </a:p>
-          <a:p>
-            <a:pPr>
-              <a:defRPr/>
-            </a:pPr>
-            <a:r>
-              <a:rPr lang="ko-KR" altLang="en-US" sz="2500"/>
-              <a:t>회복아이템은 자기자신 체력 회복시켜주는 메디킷만 구현</a:t>
-            </a:r>
-            <a:endParaRPr lang="ko-KR" altLang="en-US" sz="2500"/>
-          </a:p>
-          <a:p>
-            <a:pPr>
-              <a:defRPr/>
-            </a:pPr>
-            <a:r>
-              <a:rPr lang="en-US" altLang="ko-KR" sz="2500"/>
-              <a:t>f</a:t>
-            </a:r>
-            <a:r>
-              <a:rPr lang="ko-KR" altLang="en-US" sz="2500"/>
-              <a:t>를 누르면 밀치기로 앞에있는 좀비를 떨어뜨릴수있음</a:t>
-            </a:r>
-            <a:endParaRPr lang="ko-KR" altLang="en-US" sz="2500"/>
-          </a:p>
-          <a:p>
-            <a:pPr>
-              <a:defRPr/>
-            </a:pPr>
-            <a:endParaRPr lang="ko-KR" altLang="en-US" sz="2500"/>
+              <a:rPr xmlns:mc="http://schemas.openxmlformats.org/markup-compatibility/2006" xmlns:hp="http://schemas.haansoft.com/office/presentation/8.0" kumimoji="0" lang="ko-KR" altLang="en-US" sz="2500" b="0" i="0" u="none" strike="noStrike" kern="1200" cap="none" spc="0" normalizeH="0" baseline="0" mc:Ignorable="hp" hp:hslEmbossed="0">
+                <a:solidFill>
+                  <a:schemeClr val="tx1"/>
+                </a:solidFill>
+                <a:latin typeface="+mn-lt"/>
+                <a:ea typeface="+mn-ea"/>
+                <a:cs typeface="+mn-cs"/>
+              </a:rPr>
+              <a:t> 투척무기 구현하여 플레이어 취향에 맞는 무기 선택 가능</a:t>
+            </a:r>
+            <a:endParaRPr xmlns:mc="http://schemas.openxmlformats.org/markup-compatibility/2006" xmlns:hp="http://schemas.haansoft.com/office/presentation/8.0" kumimoji="0" lang="ko-KR" altLang="en-US" sz="2500" b="0" i="0" u="none" strike="noStrike" kern="1200" cap="none" spc="0" normalizeH="0" baseline="0" mc:Ignorable="hp" hp:hslEmbossed="0">
+              <a:solidFill>
+                <a:schemeClr val="tx1"/>
+              </a:solidFill>
+              <a:latin typeface="+mn-lt"/>
+              <a:ea typeface="+mn-ea"/>
+              <a:cs typeface="+mn-cs"/>
+            </a:endParaRPr>
+          </a:p>
+          <a:p>
+            <a:pPr marL="342900" indent="-342900" algn="l" defTabSz="914400" rtl="0" eaLnBrk="1" latinLnBrk="1" hangingPunct="1">
+              <a:lnSpc>
+                <a:spcPct val="100000"/>
+              </a:lnSpc>
+              <a:spcBef>
+                <a:spcPct val="20000"/>
+              </a:spcBef>
+              <a:spcAft>
+                <a:spcPts val="0"/>
+              </a:spcAft>
+              <a:buFont typeface="Arial"/>
+              <a:buChar char="•"/>
+              <a:defRPr/>
+            </a:pPr>
+            <a:r>
+              <a:rPr xmlns:mc="http://schemas.openxmlformats.org/markup-compatibility/2006" xmlns:hp="http://schemas.haansoft.com/office/presentation/8.0" kumimoji="0" lang="ko-KR" altLang="en-US" sz="2500" b="0" i="0" u="none" strike="noStrike" kern="1200" cap="none" spc="0" normalizeH="0" baseline="0" mc:Ignorable="hp" hp:hslEmbossed="0">
+                <a:solidFill>
+                  <a:schemeClr val="tx1"/>
+                </a:solidFill>
+                <a:latin typeface="+mn-lt"/>
+                <a:ea typeface="+mn-ea"/>
+                <a:cs typeface="+mn-cs"/>
+              </a:rPr>
+              <a:t>특수한 능력을 가진 좀비 구현</a:t>
+            </a:r>
+            <a:r>
+              <a:rPr xmlns:mc="http://schemas.openxmlformats.org/markup-compatibility/2006" xmlns:hp="http://schemas.haansoft.com/office/presentation/8.0" kumimoji="0" lang="en-US" altLang="ko-KR" sz="2500" b="0" i="0" u="none" strike="noStrike" kern="1200" cap="none" spc="0" normalizeH="0" baseline="0" mc:Ignorable="hp" hp:hslEmbossed="0">
+                <a:solidFill>
+                  <a:schemeClr val="tx1"/>
+                </a:solidFill>
+                <a:latin typeface="+mn-lt"/>
+                <a:ea typeface="+mn-ea"/>
+                <a:cs typeface="+mn-cs"/>
+              </a:rPr>
+              <a:t>(</a:t>
+            </a:r>
+            <a:r>
+              <a:rPr xmlns:mc="http://schemas.openxmlformats.org/markup-compatibility/2006" xmlns:hp="http://schemas.haansoft.com/office/presentation/8.0" kumimoji="0" lang="ko-KR" altLang="en-US" sz="2500" b="0" i="0" u="none" strike="noStrike" kern="1200" cap="none" spc="0" normalizeH="0" baseline="0" mc:Ignorable="hp" hp:hslEmbossed="0">
+                <a:solidFill>
+                  <a:schemeClr val="tx1"/>
+                </a:solidFill>
+                <a:latin typeface="+mn-lt"/>
+                <a:ea typeface="+mn-ea"/>
+                <a:cs typeface="+mn-cs"/>
+              </a:rPr>
+              <a:t>난이도 상향</a:t>
+            </a:r>
+            <a:r>
+              <a:rPr xmlns:mc="http://schemas.openxmlformats.org/markup-compatibility/2006" xmlns:hp="http://schemas.haansoft.com/office/presentation/8.0" kumimoji="0" lang="en-US" altLang="ko-KR" sz="2500" b="0" i="0" u="none" strike="noStrike" kern="1200" cap="none" spc="0" normalizeH="0" baseline="0" mc:Ignorable="hp" hp:hslEmbossed="0">
+                <a:solidFill>
+                  <a:schemeClr val="tx1"/>
+                </a:solidFill>
+                <a:latin typeface="+mn-lt"/>
+                <a:ea typeface="+mn-ea"/>
+                <a:cs typeface="+mn-cs"/>
+              </a:rPr>
+              <a:t>)</a:t>
+            </a:r>
+            <a:endParaRPr xmlns:mc="http://schemas.openxmlformats.org/markup-compatibility/2006" xmlns:hp="http://schemas.haansoft.com/office/presentation/8.0" kumimoji="0" lang="en-US" altLang="ko-KR" sz="2500" b="0" i="0" u="none" strike="noStrike" kern="1200" cap="none" spc="0" normalizeH="0" baseline="0" mc:Ignorable="hp" hp:hslEmbossed="0">
+              <a:solidFill>
+                <a:schemeClr val="tx1"/>
+              </a:solidFill>
+              <a:latin typeface="+mn-lt"/>
+              <a:ea typeface="+mn-ea"/>
+              <a:cs typeface="+mn-cs"/>
+            </a:endParaRPr>
+          </a:p>
+          <a:p>
+            <a:pPr marL="342900" indent="-342900" algn="l" defTabSz="914400" rtl="0" eaLnBrk="1" latinLnBrk="1" hangingPunct="1">
+              <a:lnSpc>
+                <a:spcPct val="100000"/>
+              </a:lnSpc>
+              <a:spcBef>
+                <a:spcPct val="20000"/>
+              </a:spcBef>
+              <a:spcAft>
+                <a:spcPts val="0"/>
+              </a:spcAft>
+              <a:buFont typeface="Arial"/>
+              <a:buChar char="•"/>
+              <a:defRPr/>
+            </a:pPr>
+            <a:endParaRPr xmlns:mc="http://schemas.openxmlformats.org/markup-compatibility/2006" xmlns:hp="http://schemas.haansoft.com/office/presentation/8.0" kumimoji="0" lang="en-US" altLang="ko-KR" sz="2500" b="0" i="0" u="none" strike="noStrike" kern="1200" cap="none" spc="0" normalizeH="0" baseline="0" mc:Ignorable="hp" hp:hslEmbossed="0">
+              <a:solidFill>
+                <a:schemeClr val="tx1"/>
+              </a:solidFill>
+              <a:latin typeface="+mn-lt"/>
+              <a:ea typeface="+mn-ea"/>
+              <a:cs typeface="+mn-cs"/>
+            </a:endParaRPr>
+          </a:p>
+          <a:p>
+            <a:pPr marL="342900" indent="-342900" algn="l" defTabSz="914400" rtl="0" eaLnBrk="1" latinLnBrk="1" hangingPunct="1">
+              <a:lnSpc>
+                <a:spcPct val="100000"/>
+              </a:lnSpc>
+              <a:spcBef>
+                <a:spcPct val="20000"/>
+              </a:spcBef>
+              <a:spcAft>
+                <a:spcPts val="0"/>
+              </a:spcAft>
+              <a:buFont typeface="Arial"/>
+              <a:buChar char="•"/>
+              <a:defRPr/>
+            </a:pPr>
+            <a:endParaRPr xmlns:mc="http://schemas.openxmlformats.org/markup-compatibility/2006" xmlns:hp="http://schemas.haansoft.com/office/presentation/8.0" kumimoji="0" lang="en-US" altLang="ko-KR" sz="2500" b="0" i="0" u="none" strike="noStrike" kern="1200" cap="none" spc="0" normalizeH="0" baseline="0" mc:Ignorable="hp" hp:hslEmbossed="0">
+              <a:solidFill>
+                <a:schemeClr val="tx1"/>
+              </a:solidFill>
+              <a:latin typeface="+mn-lt"/>
+              <a:ea typeface="+mn-ea"/>
+              <a:cs typeface="+mn-cs"/>
+            </a:endParaRPr>
+          </a:p>
+          <a:p>
+            <a:pPr marL="342900" indent="-342900" algn="l" defTabSz="914400" rtl="0" eaLnBrk="1" latinLnBrk="1" hangingPunct="1">
+              <a:lnSpc>
+                <a:spcPct val="100000"/>
+              </a:lnSpc>
+              <a:spcBef>
+                <a:spcPct val="20000"/>
+              </a:spcBef>
+              <a:spcAft>
+                <a:spcPts val="0"/>
+              </a:spcAft>
+              <a:buFont typeface="Arial"/>
+              <a:buChar char="•"/>
+              <a:defRPr/>
+            </a:pPr>
+            <a:endParaRPr xmlns:mc="http://schemas.openxmlformats.org/markup-compatibility/2006" xmlns:hp="http://schemas.haansoft.com/office/presentation/8.0" kumimoji="0" lang="en-US" altLang="ko-KR" sz="2500" b="0" i="0" u="none" strike="noStrike" kern="1200" cap="none" spc="0" normalizeH="0" baseline="0" mc:Ignorable="hp" hp:hslEmbossed="0">
+              <a:solidFill>
+                <a:schemeClr val="tx1"/>
+              </a:solidFill>
+              <a:latin typeface="+mn-lt"/>
+              <a:ea typeface="+mn-ea"/>
+              <a:cs typeface="+mn-cs"/>
+            </a:endParaRPr>
+          </a:p>
+          <a:p>
+            <a:pPr marL="342900" indent="-342900" algn="l" defTabSz="914400" rtl="0" eaLnBrk="1" latinLnBrk="1" hangingPunct="1">
+              <a:lnSpc>
+                <a:spcPct val="100000"/>
+              </a:lnSpc>
+              <a:spcBef>
+                <a:spcPct val="20000"/>
+              </a:spcBef>
+              <a:spcAft>
+                <a:spcPts val="0"/>
+              </a:spcAft>
+              <a:buFont typeface="Arial"/>
+              <a:buChar char="•"/>
+              <a:defRPr/>
+            </a:pPr>
+            <a:endParaRPr xmlns:mc="http://schemas.openxmlformats.org/markup-compatibility/2006" xmlns:hp="http://schemas.haansoft.com/office/presentation/8.0" kumimoji="0" lang="ko-KR" altLang="en-US" sz="2500" b="0" i="0" u="none" strike="noStrike" kern="1200" cap="none" spc="0" normalizeH="0" baseline="0" mc:Ignorable="hp" hp:hslEmbossed="0">
+              <a:solidFill>
+                <a:schemeClr val="tx1"/>
+              </a:solidFill>
+              <a:latin typeface="+mn-lt"/>
+              <a:ea typeface="+mn-ea"/>
+              <a:cs typeface="+mn-cs"/>
+            </a:endParaRPr>
+          </a:p>
+          <a:p>
+            <a:pPr marL="0" indent="0" algn="l" defTabSz="914400" rtl="0" eaLnBrk="1" latinLnBrk="1" hangingPunct="1">
+              <a:lnSpc>
+                <a:spcPct val="100000"/>
+              </a:lnSpc>
+              <a:spcBef>
+                <a:spcPct val="20000"/>
+              </a:spcBef>
+              <a:spcAft>
+                <a:spcPts val="0"/>
+              </a:spcAft>
+              <a:buFont typeface="Arial"/>
+              <a:buNone/>
+              <a:defRPr/>
+            </a:pPr>
+            <a:endParaRPr xmlns:mc="http://schemas.openxmlformats.org/markup-compatibility/2006" xmlns:hp="http://schemas.haansoft.com/office/presentation/8.0" kumimoji="0" lang="ko-KR" altLang="en-US" sz="2500" b="0" i="0" u="none" strike="noStrike" kern="1200" cap="none" spc="0" normalizeH="0" baseline="0" mc:Ignorable="hp" hp:hslEmbossed="0">
+              <a:solidFill>
+                <a:schemeClr val="tx1"/>
+              </a:solidFill>
+              <a:latin typeface="+mn-lt"/>
+              <a:ea typeface="+mn-ea"/>
+              <a:cs typeface="+mn-cs"/>
+            </a:endParaRPr>
           </a:p>
         </p:txBody>
       </p:sp>
@@ -3997,7 +4277,15 @@
             </a:pPr>
             <a:r>
               <a:rPr lang="ko-KR" altLang="en-US"/>
-              <a:t>추가 개발 요소</a:t>
+              <a:t>콘텐츠 구성 </a:t>
+            </a:r>
+            <a:r>
+              <a:rPr lang="en-US" altLang="ko-KR"/>
+              <a:t>1.</a:t>
+            </a:r>
+            <a:r>
+              <a:rPr lang="ko-KR" altLang="en-US"/>
+              <a:t>스토리 모드</a:t>
             </a:r>
             <a:endParaRPr lang="ko-KR" altLang="en-US"/>
           </a:p>
@@ -4028,16 +4316,32 @@
             </a:pPr>
             <a:r>
               <a:rPr lang="ko-KR" altLang="en-US" sz="2500"/>
-              <a:t>시간이 있다면 날 도와주는</a:t>
+              <a:t>정해진 맵에서 목표를 완수하여 탈출해야함</a:t>
+            </a:r>
+            <a:endParaRPr lang="ko-KR" altLang="en-US" sz="2500"/>
+          </a:p>
+          <a:p>
+            <a:pPr>
+              <a:defRPr/>
+            </a:pPr>
+            <a:r>
+              <a:rPr lang="ko-KR" altLang="en-US" sz="2500"/>
+              <a:t>헬리포트까지 이동하여 무전기로 헬기를 부르고 탈출 </a:t>
             </a:r>
             <a:r>
               <a:rPr lang="en-US" altLang="ko-KR" sz="2500"/>
-              <a:t> AI</a:t>
+              <a:t>or </a:t>
             </a:r>
             <a:r>
               <a:rPr lang="ko-KR" altLang="en-US" sz="2500"/>
-              <a:t>까지 개발해보기</a:t>
-            </a:r>
+              <a:t>연료를 모아 발전기를 가동하여 헬기를 부르고 탈출 등 맵마다 목표 부여</a:t>
+            </a:r>
+            <a:endParaRPr lang="ko-KR" altLang="en-US" sz="2500"/>
+          </a:p>
+          <a:p>
+            <a:pPr>
+              <a:defRPr/>
+            </a:pPr>
             <a:endParaRPr lang="ko-KR" altLang="en-US" sz="2500"/>
           </a:p>
         </p:txBody>
@@ -4059,6 +4363,308 @@
 </file>
 
 <file path=ppt/slides/slide14.xml><?xml version="1.0" encoding="utf-8"?>
+<p:sld xmlns:r="http://schemas.openxmlformats.org/officeDocument/2006/relationships" xmlns:c="http://schemas.openxmlformats.org/drawingml/2006/chart" xmlns:a="http://schemas.openxmlformats.org/drawingml/2006/main" xmlns:dgm="http://schemas.openxmlformats.org/drawingml/2006/diagram" xmlns:dsp="http://schemas.microsoft.com/office/drawing/2008/diagram" xmlns:p="http://schemas.openxmlformats.org/presentationml/2006/main">
+  <p:cSld>
+    <p:spTree>
+      <p:nvGrpSpPr>
+        <p:cNvPr id="1" name=""/>
+        <p:cNvGrpSpPr/>
+        <p:nvPr/>
+      </p:nvGrpSpPr>
+      <p:grpSpPr>
+        <a:xfrm>
+          <a:off x="0" y="0"/>
+          <a:ext cx="0" cy="0"/>
+          <a:chOff x="0" y="0"/>
+          <a:chExt cx="0" cy="0"/>
+        </a:xfrm>
+      </p:grpSpPr>
+      <p:sp>
+        <p:nvSpPr>
+          <p:cNvPr id="2" name="제목 1"/>
+          <p:cNvSpPr>
+            <a:spLocks noGrp="1"/>
+          </p:cNvSpPr>
+          <p:nvPr>
+            <p:ph type="title" idx="0"/>
+          </p:nvPr>
+        </p:nvSpPr>
+        <p:spPr/>
+        <p:txBody>
+          <a:bodyPr/>
+          <a:lstStyle/>
+          <a:p>
+            <a:pPr>
+              <a:defRPr/>
+            </a:pPr>
+            <a:r>
+              <a:rPr lang="ko-KR" altLang="en-US"/>
+              <a:t>게임 시스템 </a:t>
+            </a:r>
+            <a:r>
+              <a:rPr lang="en-US" altLang="ko-KR"/>
+              <a:t>-</a:t>
+            </a:r>
+            <a:r>
+              <a:rPr lang="ko-KR" altLang="en-US"/>
+              <a:t> 무기</a:t>
+            </a:r>
+            <a:endParaRPr lang="ko-KR" altLang="en-US"/>
+          </a:p>
+        </p:txBody>
+      </p:sp>
+      <p:sp>
+        <p:nvSpPr>
+          <p:cNvPr id="3" name="내용 개체 틀 2"/>
+          <p:cNvSpPr>
+            <a:spLocks noGrp="1"/>
+          </p:cNvSpPr>
+          <p:nvPr>
+            <p:ph idx="1"/>
+          </p:nvPr>
+        </p:nvSpPr>
+        <p:spPr>
+          <a:xfrm>
+            <a:off x="623316" y="1600200"/>
+            <a:ext cx="10972798" cy="4525963"/>
+          </a:xfrm>
+        </p:spPr>
+        <p:txBody>
+          <a:bodyPr/>
+          <a:lstStyle/>
+          <a:p>
+            <a:pPr>
+              <a:defRPr/>
+            </a:pPr>
+            <a:r>
+              <a:rPr lang="ko-KR" altLang="en-US" sz="2500"/>
+              <a:t>주무기는 라이플</a:t>
+            </a:r>
+            <a:r>
+              <a:rPr lang="en-US" altLang="ko-KR" sz="2500"/>
+              <a:t>,</a:t>
+            </a:r>
+            <a:r>
+              <a:rPr lang="ko-KR" altLang="en-US" sz="2500"/>
+              <a:t> 샷건</a:t>
+            </a:r>
+            <a:r>
+              <a:rPr lang="en-US" altLang="ko-KR" sz="2500"/>
+              <a:t>,</a:t>
+            </a:r>
+            <a:r>
+              <a:rPr lang="ko-KR" altLang="en-US" sz="2500"/>
+              <a:t> 스나이퍼 </a:t>
+            </a:r>
+            <a:r>
+              <a:rPr lang="en-US" altLang="ko-KR" sz="2500"/>
+              <a:t>3</a:t>
+            </a:r>
+            <a:r>
+              <a:rPr lang="ko-KR" altLang="en-US" sz="2500"/>
+              <a:t>가지로 구현</a:t>
+            </a:r>
+            <a:endParaRPr lang="ko-KR" altLang="en-US" sz="2500"/>
+          </a:p>
+          <a:p>
+            <a:pPr>
+              <a:defRPr/>
+            </a:pPr>
+            <a:r>
+              <a:rPr lang="ko-KR" altLang="en-US" sz="2500"/>
+              <a:t>보조무기는 권총</a:t>
+            </a:r>
+            <a:r>
+              <a:rPr lang="en-US" altLang="ko-KR" sz="2500"/>
+              <a:t>,</a:t>
+            </a:r>
+            <a:r>
+              <a:rPr lang="ko-KR" altLang="en-US" sz="2500"/>
+              <a:t> 근접무기 </a:t>
+            </a:r>
+            <a:r>
+              <a:rPr lang="en-US" altLang="ko-KR" sz="2500"/>
+              <a:t>2</a:t>
+            </a:r>
+            <a:r>
+              <a:rPr lang="ko-KR" altLang="en-US" sz="2500"/>
+              <a:t>가지로 구현</a:t>
+            </a:r>
+            <a:endParaRPr lang="ko-KR" altLang="en-US" sz="2500"/>
+          </a:p>
+          <a:p>
+            <a:pPr>
+              <a:defRPr/>
+            </a:pPr>
+            <a:r>
+              <a:rPr lang="ko-KR" altLang="en-US" sz="2500"/>
+              <a:t>투척무기는 화염탄</a:t>
+            </a:r>
+            <a:r>
+              <a:rPr lang="en-US" altLang="ko-KR" sz="2500"/>
+              <a:t>,</a:t>
+            </a:r>
+            <a:r>
+              <a:rPr lang="ko-KR" altLang="en-US" sz="2500"/>
+              <a:t> 파이프폭탄 </a:t>
+            </a:r>
+            <a:r>
+              <a:rPr lang="en-US" altLang="ko-KR" sz="2500"/>
+              <a:t>2</a:t>
+            </a:r>
+            <a:r>
+              <a:rPr lang="ko-KR" altLang="en-US" sz="2500"/>
+              <a:t>가지로 구현</a:t>
+            </a:r>
+            <a:endParaRPr lang="ko-KR" altLang="en-US" sz="2500"/>
+          </a:p>
+          <a:p>
+            <a:pPr>
+              <a:defRPr/>
+            </a:pPr>
+            <a:r>
+              <a:rPr lang="ko-KR" altLang="en-US" sz="2500"/>
+              <a:t>회복아이템은 자기자신 체력 회복시켜주는 메디킷만 구현</a:t>
+            </a:r>
+            <a:endParaRPr lang="ko-KR" altLang="en-US" sz="2500"/>
+          </a:p>
+          <a:p>
+            <a:pPr>
+              <a:defRPr/>
+            </a:pPr>
+            <a:r>
+              <a:rPr lang="en-US" altLang="ko-KR" sz="2500"/>
+              <a:t>f</a:t>
+            </a:r>
+            <a:r>
+              <a:rPr lang="ko-KR" altLang="en-US" sz="2500"/>
+              <a:t>를 누르면 밀치기로 앞에있는 좀비를 떨어뜨릴수있음</a:t>
+            </a:r>
+            <a:endParaRPr lang="ko-KR" altLang="en-US" sz="2500"/>
+          </a:p>
+          <a:p>
+            <a:pPr>
+              <a:defRPr/>
+            </a:pPr>
+            <a:endParaRPr lang="ko-KR" altLang="en-US" sz="2500"/>
+          </a:p>
+        </p:txBody>
+      </p:sp>
+    </p:spTree>
+  </p:cSld>
+  <p:clrMapOvr>
+    <a:masterClrMapping/>
+  </p:clrMapOvr>
+  <mc:AlternateContent xmlns:mc="http://schemas.openxmlformats.org/markup-compatibility/2006">
+    <mc:Choice xmlns:p14="http://schemas.microsoft.com/office/powerpoint/2010/main" Requires="p14">
+      <p:transition xmlns:mc="http://schemas.openxmlformats.org/markup-compatibility/2006" xmlns:p14="http://schemas.microsoft.com/office/powerpoint/2010/main" mc:Ignorable="p14" p14:dur="500"/>
+    </mc:Choice>
+    <mc:Fallback>
+      <p:transition/>
+    </mc:Fallback>
+  </mc:AlternateContent>
+</p:sld>
+</file>
+
+<file path=ppt/slides/slide15.xml><?xml version="1.0" encoding="utf-8"?>
+<p:sld xmlns:r="http://schemas.openxmlformats.org/officeDocument/2006/relationships" xmlns:c="http://schemas.openxmlformats.org/drawingml/2006/chart" xmlns:a="http://schemas.openxmlformats.org/drawingml/2006/main" xmlns:dgm="http://schemas.openxmlformats.org/drawingml/2006/diagram" xmlns:dsp="http://schemas.microsoft.com/office/drawing/2008/diagram" xmlns:p="http://schemas.openxmlformats.org/presentationml/2006/main">
+  <p:cSld>
+    <p:spTree>
+      <p:nvGrpSpPr>
+        <p:cNvPr id="1" name=""/>
+        <p:cNvGrpSpPr/>
+        <p:nvPr/>
+      </p:nvGrpSpPr>
+      <p:grpSpPr>
+        <a:xfrm>
+          <a:off x="0" y="0"/>
+          <a:ext cx="0" cy="0"/>
+          <a:chOff x="0" y="0"/>
+          <a:chExt cx="0" cy="0"/>
+        </a:xfrm>
+      </p:grpSpPr>
+      <p:sp>
+        <p:nvSpPr>
+          <p:cNvPr id="2" name="제목 1"/>
+          <p:cNvSpPr>
+            <a:spLocks noGrp="1"/>
+          </p:cNvSpPr>
+          <p:nvPr>
+            <p:ph type="title" idx="0"/>
+          </p:nvPr>
+        </p:nvSpPr>
+        <p:spPr/>
+        <p:txBody>
+          <a:bodyPr/>
+          <a:lstStyle/>
+          <a:p>
+            <a:pPr>
+              <a:defRPr/>
+            </a:pPr>
+            <a:r>
+              <a:rPr lang="ko-KR" altLang="en-US"/>
+              <a:t>추가 개발 요소</a:t>
+            </a:r>
+            <a:endParaRPr lang="ko-KR" altLang="en-US"/>
+          </a:p>
+        </p:txBody>
+      </p:sp>
+      <p:sp>
+        <p:nvSpPr>
+          <p:cNvPr id="3" name="내용 개체 틀 2"/>
+          <p:cNvSpPr>
+            <a:spLocks noGrp="1"/>
+          </p:cNvSpPr>
+          <p:nvPr>
+            <p:ph idx="1"/>
+          </p:nvPr>
+        </p:nvSpPr>
+        <p:spPr>
+          <a:xfrm>
+            <a:off x="623316" y="1600200"/>
+            <a:ext cx="10972798" cy="4525963"/>
+          </a:xfrm>
+        </p:spPr>
+        <p:txBody>
+          <a:bodyPr/>
+          <a:lstStyle/>
+          <a:p>
+            <a:pPr>
+              <a:defRPr/>
+            </a:pPr>
+            <a:r>
+              <a:rPr lang="ko-KR" altLang="en-US" sz="2500"/>
+              <a:t>시간이 있다면 날 도와주는</a:t>
+            </a:r>
+            <a:r>
+              <a:rPr lang="en-US" altLang="ko-KR" sz="2500"/>
+              <a:t> AI</a:t>
+            </a:r>
+            <a:r>
+              <a:rPr lang="ko-KR" altLang="en-US" sz="2500"/>
+              <a:t>까지 개발해보기</a:t>
+            </a:r>
+            <a:endParaRPr lang="ko-KR" altLang="en-US" sz="2500"/>
+          </a:p>
+        </p:txBody>
+      </p:sp>
+    </p:spTree>
+  </p:cSld>
+  <p:clrMapOvr>
+    <a:masterClrMapping/>
+  </p:clrMapOvr>
+  <mc:AlternateContent xmlns:mc="http://schemas.openxmlformats.org/markup-compatibility/2006">
+    <mc:Choice xmlns:p14="http://schemas.microsoft.com/office/powerpoint/2010/main" Requires="p14">
+      <p:transition xmlns:mc="http://schemas.openxmlformats.org/markup-compatibility/2006" xmlns:p14="http://schemas.microsoft.com/office/powerpoint/2010/main" mc:Ignorable="p14" p14:dur="500"/>
+    </mc:Choice>
+    <mc:Fallback>
+      <p:transition/>
+    </mc:Fallback>
+  </mc:AlternateContent>
+</p:sld>
+</file>
+
+<file path=ppt/slides/slide16.xml><?xml version="1.0" encoding="utf-8"?>
 <p:sld xmlns:r="http://schemas.openxmlformats.org/officeDocument/2006/relationships" xmlns:c="http://schemas.openxmlformats.org/drawingml/2006/chart" xmlns:a="http://schemas.openxmlformats.org/drawingml/2006/main" xmlns:dgm="http://schemas.openxmlformats.org/drawingml/2006/diagram" xmlns:dsp="http://schemas.microsoft.com/office/drawing/2008/diagram" xmlns:p="http://schemas.openxmlformats.org/presentationml/2006/main">
   <p:cSld>
     <p:spTree>
@@ -5553,7 +6159,7 @@
             </a:r>
             <a:r>
               <a:rPr lang="ko-KR" altLang="en-US" sz="2500"/>
-              <a:t>학습과 포트폴리오 제작을 위해 게임을 기획함</a:t>
+              <a:t>학습과 포트폴리오 제작을 위해 게임을 제작함</a:t>
             </a:r>
             <a:endParaRPr lang="ko-KR" altLang="en-US" sz="2500"/>
           </a:p>
